--- a/doc/thrift架构分享.pptx
+++ b/doc/thrift架构分享.pptx
@@ -7305,11 +7305,22 @@
                 <a:ea typeface="Hei"/>
                 <a:cs typeface="Hei"/>
               </a:rPr>
-              <a:t>服务监控、治理</a:t>
+              <a:t>服务监控、</a:t>
+            </a:r>
+            <a:r>
+              <a:rPr lang="zh-CN" altLang="en-US" dirty="0" smtClean="0">
+                <a:solidFill>
+                  <a:srgbClr val="FF0000"/>
+                </a:solidFill>
+                <a:latin typeface="Hei"/>
+                <a:ea typeface="Hei"/>
+                <a:cs typeface="Hei"/>
+              </a:rPr>
+              <a:t>治理</a:t>
             </a:r>
             <a:endParaRPr lang="en-US" sz="4400" b="0" i="0" dirty="0">
               <a:solidFill>
-                <a:schemeClr val="tx1"/>
+                <a:srgbClr val="FF0000"/>
               </a:solidFill>
               <a:latin typeface="Hei"/>
               <a:ea typeface="Hei"/>

--- a/doc/thrift架构分享.pptx
+++ b/doc/thrift架构分享.pptx
@@ -5,21 +5,20 @@
     <p:sldMasterId id="2147483648" r:id="rId1"/>
   </p:sldMasterIdLst>
   <p:notesMasterIdLst>
-    <p:notesMasterId r:id="rId11"/>
+    <p:notesMasterId r:id="rId10"/>
   </p:notesMasterIdLst>
   <p:handoutMasterIdLst>
-    <p:handoutMasterId r:id="rId12"/>
+    <p:handoutMasterId r:id="rId11"/>
   </p:handoutMasterIdLst>
   <p:sldIdLst>
     <p:sldId id="259" r:id="rId2"/>
-    <p:sldId id="261" r:id="rId3"/>
-    <p:sldId id="288" r:id="rId4"/>
-    <p:sldId id="289" r:id="rId5"/>
-    <p:sldId id="290" r:id="rId6"/>
-    <p:sldId id="291" r:id="rId7"/>
-    <p:sldId id="292" r:id="rId8"/>
-    <p:sldId id="277" r:id="rId9"/>
-    <p:sldId id="278" r:id="rId10"/>
+    <p:sldId id="288" r:id="rId3"/>
+    <p:sldId id="289" r:id="rId4"/>
+    <p:sldId id="290" r:id="rId5"/>
+    <p:sldId id="291" r:id="rId6"/>
+    <p:sldId id="292" r:id="rId7"/>
+    <p:sldId id="277" r:id="rId8"/>
+    <p:sldId id="278" r:id="rId9"/>
   </p:sldIdLst>
   <p:sldSz cx="9144000" cy="6858000" type="screen4x3"/>
   <p:notesSz cx="6858000" cy="9144000"/>
@@ -128,7 +127,6 @@
         </p14:section>
         <p14:section name="概述和目标" id="{ABA716BF-3A5C-4ADB-94C9-CFEF84EBA240}">
           <p14:sldIdLst>
-            <p14:sldId id="261"/>
             <p14:sldId id="288"/>
             <p14:sldId id="289"/>
             <p14:sldId id="290"/>
@@ -231,7 +229,7 @@
             <a:fld id="{D83FDC75-7F73-4A4A-A77C-09AADF00E0EA}" type="datetimeFigureOut">
               <a:rPr lang="en-US" smtClean="0"/>
               <a:pPr/>
-              <a:t>16/7/6</a:t>
+              <a:t>16/7/7</a:t>
             </a:fld>
             <a:endParaRPr lang="en-US" dirty="0"/>
           </a:p>
@@ -398,7 +396,7 @@
             <a:fld id="{48AEF76B-3757-4A0B-AF93-28494465C1DD}" type="datetimeFigureOut">
               <a:rPr lang="en-US" smtClean="0"/>
               <a:pPr/>
-              <a:t>16/7/6</a:t>
+              <a:t>16/7/7</a:t>
             </a:fld>
             <a:endParaRPr lang="en-US" dirty="0"/>
           </a:p>
@@ -1876,121 +1874,87 @@
       </p:grpSpPr>
       <p:sp>
         <p:nvSpPr>
-          <p:cNvPr id="2" name="Slide Image Placeholder 1"/>
-          <p:cNvSpPr>
-            <a:spLocks noGrp="1" noRot="1" noChangeAspect="1"/>
-          </p:cNvSpPr>
-          <p:nvPr>
-            <p:ph type="sldImg"/>
-          </p:nvPr>
-        </p:nvSpPr>
-        <p:spPr/>
-      </p:sp>
-      <p:sp>
-        <p:nvSpPr>
-          <p:cNvPr id="3" name="Notes Placeholder 2"/>
-          <p:cNvSpPr>
-            <a:spLocks noGrp="1"/>
-          </p:cNvSpPr>
-          <p:nvPr>
-            <p:ph type="body" idx="1"/>
-          </p:nvPr>
-        </p:nvSpPr>
-        <p:spPr/>
-        <p:txBody>
-          <a:bodyPr>
-            <a:normAutofit/>
-          </a:bodyPr>
+          <p:cNvPr id="41986" name="Rectangle 23"/>
+          <p:cNvSpPr>
+            <a:spLocks noGrp="1" noChangeArrowheads="1"/>
+          </p:cNvSpPr>
+          <p:nvPr>
+            <p:ph type="hdr" sz="quarter"/>
+          </p:nvPr>
+        </p:nvSpPr>
+        <p:spPr>
+          <a:noFill/>
+        </p:spPr>
+        <p:txBody>
+          <a:bodyPr/>
           <a:lstStyle/>
           <a:p>
-            <a:pPr marL="0" algn="l" defTabSz="914400">
-              <a:lnSpc>
-                <a:spcPct val="80000"/>
-              </a:lnSpc>
+            <a:pPr algn="l" defTabSz="914400">
               <a:buNone/>
             </a:pPr>
             <a:r>
               <a:rPr lang="en-US" sz="1200" b="0" i="0">
-                <a:solidFill>
-                  <a:schemeClr val="tx1"/>
-                </a:solidFill>
                 <a:latin typeface="Calibri"/>
                 <a:ea typeface="+mn-ea"/>
                 <a:cs typeface="+mn-cs"/>
               </a:rPr>
-              <a:t>提供演示文稿的简要概述。</a:t>
-            </a:r>
-            <a:r>
-              <a:rPr lang="en-US" sz="1200" b="0" i="0" baseline="0">
-                <a:solidFill>
-                  <a:schemeClr val="tx1"/>
-                </a:solidFill>
+              <a:t>Microsoft </a:t>
+            </a:r>
+            <a:r>
+              <a:rPr lang="en-US" sz="1200" b="1" i="0">
                 <a:latin typeface="Calibri"/>
                 <a:ea typeface="+mn-ea"/>
                 <a:cs typeface="+mn-cs"/>
               </a:rPr>
-              <a:t> </a:t>
-            </a:r>
+              <a:t>卓越工程管理</a:t>
+            </a:r>
+          </a:p>
+        </p:txBody>
+      </p:sp>
+      <p:sp>
+        <p:nvSpPr>
+          <p:cNvPr id="41987" name="Rectangle 25"/>
+          <p:cNvSpPr>
+            <a:spLocks noGrp="1" noChangeArrowheads="1"/>
+          </p:cNvSpPr>
+          <p:nvPr>
+            <p:ph type="ftr" sz="quarter" idx="4"/>
+          </p:nvPr>
+        </p:nvSpPr>
+        <p:spPr>
+          <a:noFill/>
+        </p:spPr>
+        <p:txBody>
+          <a:bodyPr/>
+          <a:lstStyle/>
+          <a:p>
+            <a:pPr algn="l" defTabSz="914400">
+              <a:buNone/>
+            </a:pPr>
             <a:r>
               <a:rPr lang="en-US" sz="1200" b="0" i="0">
-                <a:solidFill>
-                  <a:schemeClr val="tx1"/>
-                </a:solidFill>
                 <a:latin typeface="Calibri"/>
                 <a:ea typeface="+mn-ea"/>
                 <a:cs typeface="+mn-cs"/>
               </a:rPr>
-              <a:t>介绍演示文稿的重点内容并说明其重要的原因。</a:t>
-            </a:r>
-          </a:p>
-          <a:p>
-            <a:pPr marL="0" algn="l" defTabSz="914400">
-              <a:lnSpc>
-                <a:spcPct val="80000"/>
-              </a:lnSpc>
-              <a:buNone/>
-            </a:pPr>
-            <a:r>
-              <a:rPr lang="en-US" sz="1200" b="0" i="0">
-                <a:solidFill>
-                  <a:schemeClr val="tx1"/>
-                </a:solidFill>
-                <a:latin typeface="Calibri"/>
-                <a:ea typeface="+mn-ea"/>
-                <a:cs typeface="+mn-cs"/>
-              </a:rPr>
-              <a:t>介绍每个重要的主题。</a:t>
-            </a:r>
-          </a:p>
-          <a:p>
-            <a:pPr marL="0" algn="l" defTabSz="914400">
-              <a:buNone/>
-            </a:pPr>
-            <a:r>
-              <a:rPr lang="en-US" sz="1200" b="0" i="0">
-                <a:solidFill>
-                  <a:schemeClr val="tx1"/>
-                </a:solidFill>
-                <a:latin typeface="Calibri"/>
-                <a:ea typeface="+mn-ea"/>
-                <a:cs typeface="+mn-cs"/>
-              </a:rPr>
-              <a:t>为了使观众了解演示文稿，可以在整个演示过程中重复此概述幻灯片，从而突出显示您将讨论的下一个主题。</a:t>
-            </a:r>
-          </a:p>
-        </p:txBody>
-      </p:sp>
-      <p:sp>
-        <p:nvSpPr>
-          <p:cNvPr id="4" name="Slide Number Placeholder 3"/>
-          <p:cNvSpPr>
-            <a:spLocks noGrp="1"/>
-          </p:cNvSpPr>
-          <p:nvPr>
-            <p:ph type="sldNum" sz="quarter" idx="10"/>
-          </p:nvPr>
-        </p:nvSpPr>
-        <p:spPr/>
+              <a:t>Microsoft 机密</a:t>
+            </a:r>
+          </a:p>
+        </p:txBody>
+      </p:sp>
+      <p:sp>
+        <p:nvSpPr>
+          <p:cNvPr id="41988" name="Rectangle 26"/>
+          <p:cNvSpPr>
+            <a:spLocks noGrp="1" noChangeArrowheads="1"/>
+          </p:cNvSpPr>
+          <p:nvPr>
+            <p:ph type="sldNum" sz="quarter" idx="5"/>
+          </p:nvPr>
+        </p:nvSpPr>
+        <p:spPr>
+          <a:noFill/>
+        </p:spPr>
         <p:txBody>
           <a:bodyPr/>
           <a:lstStyle/>
@@ -1998,7 +1962,7 @@
             <a:pPr algn="r" defTabSz="914400">
               <a:buNone/>
             </a:pPr>
-            <a:fld id="{EC6EAC7D-5A89-47C2-8ABA-56C9C2DEF7A4}" type="slidenum">
+            <a:fld id="{B2B44A5F-6CE4-493C-A0D7-6834FF76660C}" type="slidenum">
               <a:rPr lang="en-US" sz="1200" b="0" i="0">
                 <a:latin typeface="Calibri"/>
                 <a:ea typeface="+mn-ea"/>
@@ -2011,6 +1975,54 @@
               <a:ea typeface="+mn-ea"/>
               <a:cs typeface="+mn-cs"/>
             </a:endParaRPr>
+          </a:p>
+        </p:txBody>
+      </p:sp>
+      <p:sp>
+        <p:nvSpPr>
+          <p:cNvPr id="41989" name="Rectangle 2"/>
+          <p:cNvSpPr>
+            <a:spLocks noGrp="1" noRot="1" noChangeAspect="1" noChangeArrowheads="1" noTextEdit="1"/>
+          </p:cNvSpPr>
+          <p:nvPr>
+            <p:ph type="sldImg"/>
+          </p:nvPr>
+        </p:nvSpPr>
+        <p:spPr>
+          <a:xfrm>
+            <a:off x="1143000" y="450850"/>
+            <a:ext cx="4572000" cy="3429000"/>
+          </a:xfrm>
+          <a:ln/>
+        </p:spPr>
+      </p:sp>
+      <p:sp>
+        <p:nvSpPr>
+          <p:cNvPr id="41990" name="Rectangle 3"/>
+          <p:cNvSpPr>
+            <a:spLocks noGrp="1" noChangeArrowheads="1"/>
+          </p:cNvSpPr>
+          <p:nvPr>
+            <p:ph type="body" idx="1"/>
+          </p:nvPr>
+        </p:nvSpPr>
+        <p:spPr>
+          <a:xfrm>
+            <a:off x="307492" y="4130104"/>
+            <a:ext cx="6261652" cy="4554823"/>
+          </a:xfrm>
+          <a:noFill/>
+          <a:ln/>
+        </p:spPr>
+        <p:txBody>
+          <a:bodyPr/>
+          <a:lstStyle/>
+          <a:p>
+            <a:pPr>
+              <a:buFontTx/>
+              <a:buNone/>
+            </a:pPr>
+            <a:endParaRPr lang="en-US" dirty="0" smtClean="0"/>
           </a:p>
         </p:txBody>
       </p:sp>
@@ -2041,185 +2053,6 @@
       </p:grpSpPr>
       <p:sp>
         <p:nvSpPr>
-          <p:cNvPr id="41986" name="Rectangle 23"/>
-          <p:cNvSpPr>
-            <a:spLocks noGrp="1" noChangeArrowheads="1"/>
-          </p:cNvSpPr>
-          <p:nvPr>
-            <p:ph type="hdr" sz="quarter"/>
-          </p:nvPr>
-        </p:nvSpPr>
-        <p:spPr>
-          <a:noFill/>
-        </p:spPr>
-        <p:txBody>
-          <a:bodyPr/>
-          <a:lstStyle/>
-          <a:p>
-            <a:pPr algn="l" defTabSz="914400">
-              <a:buNone/>
-            </a:pPr>
-            <a:r>
-              <a:rPr lang="en-US" sz="1200" b="0" i="0">
-                <a:latin typeface="Calibri"/>
-                <a:ea typeface="+mn-ea"/>
-                <a:cs typeface="+mn-cs"/>
-              </a:rPr>
-              <a:t>Microsoft </a:t>
-            </a:r>
-            <a:r>
-              <a:rPr lang="en-US" sz="1200" b="1" i="0">
-                <a:latin typeface="Calibri"/>
-                <a:ea typeface="+mn-ea"/>
-                <a:cs typeface="+mn-cs"/>
-              </a:rPr>
-              <a:t>卓越工程管理</a:t>
-            </a:r>
-          </a:p>
-        </p:txBody>
-      </p:sp>
-      <p:sp>
-        <p:nvSpPr>
-          <p:cNvPr id="41987" name="Rectangle 25"/>
-          <p:cNvSpPr>
-            <a:spLocks noGrp="1" noChangeArrowheads="1"/>
-          </p:cNvSpPr>
-          <p:nvPr>
-            <p:ph type="ftr" sz="quarter" idx="4"/>
-          </p:nvPr>
-        </p:nvSpPr>
-        <p:spPr>
-          <a:noFill/>
-        </p:spPr>
-        <p:txBody>
-          <a:bodyPr/>
-          <a:lstStyle/>
-          <a:p>
-            <a:pPr algn="l" defTabSz="914400">
-              <a:buNone/>
-            </a:pPr>
-            <a:r>
-              <a:rPr lang="en-US" sz="1200" b="0" i="0">
-                <a:latin typeface="Calibri"/>
-                <a:ea typeface="+mn-ea"/>
-                <a:cs typeface="+mn-cs"/>
-              </a:rPr>
-              <a:t>Microsoft 机密</a:t>
-            </a:r>
-          </a:p>
-        </p:txBody>
-      </p:sp>
-      <p:sp>
-        <p:nvSpPr>
-          <p:cNvPr id="41988" name="Rectangle 26"/>
-          <p:cNvSpPr>
-            <a:spLocks noGrp="1" noChangeArrowheads="1"/>
-          </p:cNvSpPr>
-          <p:nvPr>
-            <p:ph type="sldNum" sz="quarter" idx="5"/>
-          </p:nvPr>
-        </p:nvSpPr>
-        <p:spPr>
-          <a:noFill/>
-        </p:spPr>
-        <p:txBody>
-          <a:bodyPr/>
-          <a:lstStyle/>
-          <a:p>
-            <a:pPr algn="r" defTabSz="914400">
-              <a:buNone/>
-            </a:pPr>
-            <a:fld id="{B2B44A5F-6CE4-493C-A0D7-6834FF76660C}" type="slidenum">
-              <a:rPr lang="en-US" sz="1200" b="0" i="0">
-                <a:latin typeface="Calibri"/>
-                <a:ea typeface="+mn-ea"/>
-                <a:cs typeface="+mn-cs"/>
-              </a:rPr>
-              <a:t>8</a:t>
-            </a:fld>
-            <a:endParaRPr lang="en-US" sz="1200" b="0" i="0">
-              <a:latin typeface="Calibri"/>
-              <a:ea typeface="+mn-ea"/>
-              <a:cs typeface="+mn-cs"/>
-            </a:endParaRPr>
-          </a:p>
-        </p:txBody>
-      </p:sp>
-      <p:sp>
-        <p:nvSpPr>
-          <p:cNvPr id="41989" name="Rectangle 2"/>
-          <p:cNvSpPr>
-            <a:spLocks noGrp="1" noRot="1" noChangeAspect="1" noChangeArrowheads="1" noTextEdit="1"/>
-          </p:cNvSpPr>
-          <p:nvPr>
-            <p:ph type="sldImg"/>
-          </p:nvPr>
-        </p:nvSpPr>
-        <p:spPr>
-          <a:xfrm>
-            <a:off x="1143000" y="450850"/>
-            <a:ext cx="4572000" cy="3429000"/>
-          </a:xfrm>
-          <a:ln/>
-        </p:spPr>
-      </p:sp>
-      <p:sp>
-        <p:nvSpPr>
-          <p:cNvPr id="41990" name="Rectangle 3"/>
-          <p:cNvSpPr>
-            <a:spLocks noGrp="1" noChangeArrowheads="1"/>
-          </p:cNvSpPr>
-          <p:nvPr>
-            <p:ph type="body" idx="1"/>
-          </p:nvPr>
-        </p:nvSpPr>
-        <p:spPr>
-          <a:xfrm>
-            <a:off x="307492" y="4130104"/>
-            <a:ext cx="6261652" cy="4554823"/>
-          </a:xfrm>
-          <a:noFill/>
-          <a:ln/>
-        </p:spPr>
-        <p:txBody>
-          <a:bodyPr/>
-          <a:lstStyle/>
-          <a:p>
-            <a:pPr>
-              <a:buFontTx/>
-              <a:buNone/>
-            </a:pPr>
-            <a:endParaRPr lang="en-US" dirty="0" smtClean="0"/>
-          </a:p>
-        </p:txBody>
-      </p:sp>
-    </p:spTree>
-  </p:cSld>
-  <p:clrMapOvr>
-    <a:masterClrMapping/>
-  </p:clrMapOvr>
-</p:notes>
-</file>
-
-<file path=ppt/notesSlides/notesSlide9.xml><?xml version="1.0" encoding="utf-8"?>
-<p:notes xmlns:a="http://schemas.openxmlformats.org/drawingml/2006/main" xmlns:r="http://schemas.openxmlformats.org/officeDocument/2006/relationships" xmlns:p="http://schemas.openxmlformats.org/presentationml/2006/main">
-  <p:cSld>
-    <p:spTree>
-      <p:nvGrpSpPr>
-        <p:cNvPr id="1" name=""/>
-        <p:cNvGrpSpPr/>
-        <p:nvPr/>
-      </p:nvGrpSpPr>
-      <p:grpSpPr>
-        <a:xfrm>
-          <a:off x="0" y="0"/>
-          <a:ext cx="0" cy="0"/>
-          <a:chOff x="0" y="0"/>
-          <a:chExt cx="0" cy="0"/>
-        </a:xfrm>
-      </p:grpSpPr>
-      <p:sp>
-        <p:nvSpPr>
           <p:cNvPr id="43010" name="Rectangle 23"/>
           <p:cNvSpPr>
             <a:spLocks noGrp="1" noChangeArrowheads="1"/>
@@ -2314,7 +2147,7 @@
                 <a:ea typeface="+mn-ea"/>
                 <a:cs typeface="+mn-cs"/>
               </a:rPr>
-              <a:t>9</a:t>
+              <a:t>8</a:t>
             </a:fld>
             <a:endParaRPr lang="en-US" sz="1200" b="0" i="0">
               <a:latin typeface="Calibri"/>
@@ -2899,7 +2732,7 @@
             <a:fld id="{757B281C-5159-4971-8228-52B9A72E9ED2}" type="datetimeFigureOut">
               <a:rPr kumimoji="0" lang="en-US" smtClean="0"/>
               <a:pPr/>
-              <a:t>16/7/6</a:t>
+              <a:t>16/7/7</a:t>
             </a:fld>
             <a:endParaRPr kumimoji="0" lang="en-US" dirty="0"/>
           </a:p>
@@ -3001,7 +2834,7 @@
             <a:fld id="{757B281C-5159-4971-8228-52B9A72E9ED2}" type="datetimeFigureOut">
               <a:rPr kumimoji="0" lang="en-US" smtClean="0"/>
               <a:pPr/>
-              <a:t>16/7/6</a:t>
+              <a:t>16/7/7</a:t>
             </a:fld>
             <a:endParaRPr kumimoji="0" lang="en-US" dirty="0"/>
           </a:p>
@@ -3137,7 +2970,7 @@
             <a:fld id="{757B281C-5159-4971-8228-52B9A72E9ED2}" type="datetimeFigureOut">
               <a:rPr kumimoji="0" lang="en-US" smtClean="0"/>
               <a:pPr/>
-              <a:t>16/7/6</a:t>
+              <a:t>16/7/7</a:t>
             </a:fld>
             <a:endParaRPr kumimoji="0" lang="en-US" dirty="0"/>
           </a:p>
@@ -3343,7 +3176,7 @@
             <a:fld id="{757B281C-5159-4971-8228-52B9A72E9ED2}" type="datetimeFigureOut">
               <a:rPr kumimoji="0" lang="en-US" smtClean="0"/>
               <a:pPr/>
-              <a:t>16/7/6</a:t>
+              <a:t>16/7/7</a:t>
             </a:fld>
             <a:endParaRPr kumimoji="0" lang="en-US" dirty="0"/>
           </a:p>
@@ -3742,7 +3575,7 @@
             <a:fld id="{757B281C-5159-4971-8228-52B9A72E9ED2}" type="datetimeFigureOut">
               <a:rPr kumimoji="0" lang="en-US" smtClean="0"/>
               <a:pPr/>
-              <a:t>16/7/6</a:t>
+              <a:t>16/7/7</a:t>
             </a:fld>
             <a:endParaRPr kumimoji="0" lang="en-US" dirty="0"/>
           </a:p>
@@ -4043,7 +3876,7 @@
             <a:fld id="{757B281C-5159-4971-8228-52B9A72E9ED2}" type="datetimeFigureOut">
               <a:rPr kumimoji="0" lang="en-US" smtClean="0"/>
               <a:pPr/>
-              <a:t>16/7/6</a:t>
+              <a:t>16/7/7</a:t>
             </a:fld>
             <a:endParaRPr kumimoji="0" lang="en-US" dirty="0"/>
           </a:p>
@@ -4473,7 +4306,7 @@
             <a:fld id="{757B281C-5159-4971-8228-52B9A72E9ED2}" type="datetimeFigureOut">
               <a:rPr kumimoji="0" lang="en-US" smtClean="0"/>
               <a:pPr/>
-              <a:t>16/7/6</a:t>
+              <a:t>16/7/7</a:t>
             </a:fld>
             <a:endParaRPr kumimoji="0" lang="en-US" dirty="0"/>
           </a:p>
@@ -4751,7 +4584,7 @@
             <a:fld id="{757B281C-5159-4971-8228-52B9A72E9ED2}" type="datetimeFigureOut">
               <a:rPr kumimoji="0" lang="en-US" smtClean="0"/>
               <a:pPr/>
-              <a:t>16/7/6</a:t>
+              <a:t>16/7/7</a:t>
             </a:fld>
             <a:endParaRPr kumimoji="0" lang="en-US" dirty="0"/>
           </a:p>
@@ -5017,7 +4850,7 @@
             <a:fld id="{757B281C-5159-4971-8228-52B9A72E9ED2}" type="datetimeFigureOut">
               <a:rPr kumimoji="0" lang="en-US" smtClean="0"/>
               <a:pPr/>
-              <a:t>16/7/6</a:t>
+              <a:t>16/7/7</a:t>
             </a:fld>
             <a:endParaRPr kumimoji="0" lang="en-US" dirty="0"/>
           </a:p>
@@ -5188,7 +5021,7 @@
             <a:fld id="{757B281C-5159-4971-8228-52B9A72E9ED2}" type="datetimeFigureOut">
               <a:rPr kumimoji="0" lang="en-US" smtClean="0"/>
               <a:pPr/>
-              <a:t>16/7/6</a:t>
+              <a:t>16/7/7</a:t>
             </a:fld>
             <a:endParaRPr kumimoji="0" lang="en-US" dirty="0"/>
           </a:p>
@@ -5369,7 +5202,7 @@
             <a:fld id="{757B281C-5159-4971-8228-52B9A72E9ED2}" type="datetimeFigureOut">
               <a:rPr kumimoji="0" lang="en-US" smtClean="0"/>
               <a:pPr/>
-              <a:t>16/7/6</a:t>
+              <a:t>16/7/7</a:t>
             </a:fld>
             <a:endParaRPr kumimoji="0" lang="en-US" dirty="0"/>
           </a:p>
@@ -5612,7 +5445,7 @@
             <a:fld id="{757B281C-5159-4971-8228-52B9A72E9ED2}" type="datetimeFigureOut">
               <a:rPr kumimoji="0" lang="en-US" smtClean="0"/>
               <a:pPr/>
-              <a:t>16/7/6</a:t>
+              <a:t>16/7/7</a:t>
             </a:fld>
             <a:endParaRPr kumimoji="0" lang="en-US" dirty="0"/>
           </a:p>
@@ -6053,15 +5886,7 @@
                 <a:ea typeface="Hei"/>
                 <a:cs typeface="Hei"/>
               </a:rPr>
-              <a:t>Thrift</a:t>
-            </a:r>
-            <a:r>
-              <a:rPr lang="en-US" dirty="0" err="1" smtClean="0">
-                <a:latin typeface="Hei"/>
-                <a:ea typeface="Hei"/>
-                <a:cs typeface="Hei"/>
-              </a:rPr>
-              <a:t>服务框架优化</a:t>
+              <a:t>Thrift服务框架优化</a:t>
             </a:r>
             <a:endParaRPr lang="en-US" sz="4400" b="1" i="0" baseline="0" dirty="0">
               <a:solidFill>
@@ -6212,15 +6037,12 @@
               <a:buNone/>
             </a:pPr>
             <a:r>
-              <a:rPr lang="zh-CN" altLang="en-US" sz="4400" b="0" i="0" dirty="0" smtClean="0">
-                <a:solidFill>
-                  <a:schemeClr val="tx1"/>
-                </a:solidFill>
+              <a:rPr lang="zh-CN" altLang="en-US" dirty="0" smtClean="0">
                 <a:latin typeface="Hei"/>
                 <a:ea typeface="Hei"/>
                 <a:cs typeface="Hei"/>
               </a:rPr>
-              <a:t>流程：</a:t>
+              <a:t>做了些什么</a:t>
             </a:r>
             <a:endParaRPr lang="en-US" sz="4400" b="0" i="0" dirty="0">
               <a:solidFill>
@@ -6264,12 +6086,45 @@
               <a:buChar char="•"/>
             </a:pPr>
             <a:r>
+              <a:rPr lang="en-US" altLang="en-US" dirty="0" smtClean="0">
+                <a:latin typeface="Hei"/>
+                <a:ea typeface="Hei"/>
+                <a:cs typeface="Hei"/>
+              </a:rPr>
+              <a:t>框架</a:t>
+            </a:r>
+            <a:r>
               <a:rPr lang="zh-CN" altLang="en-US" dirty="0" smtClean="0">
                 <a:latin typeface="Hei"/>
                 <a:ea typeface="Hei"/>
                 <a:cs typeface="Hei"/>
               </a:rPr>
-              <a:t>做了什么</a:t>
+              <a:t>概述</a:t>
+            </a:r>
+            <a:endParaRPr lang="en-US" altLang="zh-CN" dirty="0" smtClean="0">
+              <a:latin typeface="Hei"/>
+              <a:ea typeface="Hei"/>
+              <a:cs typeface="Hei"/>
+            </a:endParaRPr>
+          </a:p>
+          <a:p>
+            <a:pPr marL="347472" indent="-347472">
+              <a:spcBef>
+                <a:spcPts val="768"/>
+              </a:spcBef>
+              <a:buClr>
+                <a:schemeClr val="tx1"/>
+              </a:buClr>
+              <a:buFont typeface="Arial"/>
+              <a:buChar char="•"/>
+            </a:pPr>
+            <a:r>
+              <a:rPr lang="zh-CN" altLang="en-US" dirty="0">
+                <a:latin typeface="Hei"/>
+                <a:ea typeface="Hei"/>
+                <a:cs typeface="Hei"/>
+              </a:rPr>
+              <a:t>服务的注册与发现</a:t>
             </a:r>
             <a:endParaRPr lang="en-US" altLang="zh-CN" dirty="0" smtClean="0">
               <a:latin typeface="Hei"/>
@@ -6297,7 +6152,7 @@
                 <a:ea typeface="Hei"/>
                 <a:cs typeface="Hei"/>
               </a:rPr>
-              <a:t>这么做的好处</a:t>
+              <a:t>服务的监控与治理</a:t>
             </a:r>
             <a:endParaRPr lang="en-US" sz="3200" b="0" i="0" dirty="0">
               <a:solidFill>
@@ -6320,45 +6175,21 @@
               <a:buChar char="•"/>
             </a:pPr>
             <a:r>
+              <a:rPr lang="en-US" altLang="zh-CN" dirty="0" smtClean="0">
+                <a:latin typeface="Hei"/>
+                <a:ea typeface="Hei"/>
+                <a:cs typeface="Hei"/>
+              </a:rPr>
+              <a:t>Spring</a:t>
+            </a:r>
+            <a:r>
               <a:rPr lang="zh-CN" altLang="en-US" dirty="0" smtClean="0">
                 <a:latin typeface="Hei"/>
                 <a:ea typeface="Hei"/>
                 <a:cs typeface="Hei"/>
               </a:rPr>
-              <a:t>怎么开发一个</a:t>
-            </a:r>
-            <a:r>
-              <a:rPr lang="en-US" altLang="zh-CN" dirty="0" smtClean="0">
-                <a:latin typeface="Hei"/>
-                <a:ea typeface="Hei"/>
-                <a:cs typeface="Hei"/>
-              </a:rPr>
-              <a:t>thrift</a:t>
-            </a:r>
-            <a:r>
-              <a:rPr lang="zh-CN" altLang="en-US" dirty="0" smtClean="0">
-                <a:latin typeface="Hei"/>
-                <a:ea typeface="Hei"/>
-                <a:cs typeface="Hei"/>
-              </a:rPr>
-              <a:t>服务</a:t>
-            </a:r>
-            <a:endParaRPr lang="en-US" altLang="zh-CN" dirty="0" smtClean="0">
-              <a:latin typeface="Hei"/>
-              <a:ea typeface="Hei"/>
-              <a:cs typeface="Hei"/>
-            </a:endParaRPr>
-          </a:p>
-          <a:p>
-            <a:pPr marL="0" indent="0" algn="l" defTabSz="914400">
-              <a:spcBef>
-                <a:spcPts val="768"/>
-              </a:spcBef>
-              <a:buClr>
-                <a:schemeClr val="tx1"/>
-              </a:buClr>
-              <a:buNone/>
-            </a:pPr>
+              <a:t>的应用</a:t>
+            </a:r>
             <a:endParaRPr lang="en-US" sz="3200" b="0" i="0" dirty="0">
               <a:solidFill>
                 <a:schemeClr val="tx1"/>
@@ -6369,15 +6200,14 @@
             </a:endParaRPr>
           </a:p>
           <a:p>
-            <a:pPr marL="347472" indent="-347472" algn="l" defTabSz="914400">
+            <a:pPr marL="0" indent="0" algn="l" defTabSz="914400">
               <a:spcBef>
                 <a:spcPts val="768"/>
               </a:spcBef>
               <a:buClr>
                 <a:schemeClr val="tx1"/>
               </a:buClr>
-              <a:buFont typeface="Arial"/>
-              <a:buChar char="•"/>
+              <a:buNone/>
             </a:pPr>
             <a:endParaRPr lang="en-US" sz="3200" b="0" i="0" dirty="0">
               <a:solidFill>
@@ -6394,6 +6224,11 @@
     <p:custDataLst>
       <p:tags r:id="rId1"/>
     </p:custDataLst>
+    <p:extLst>
+      <p:ext uri="{BB962C8B-B14F-4D97-AF65-F5344CB8AC3E}">
+        <p14:creationId xmlns:p14="http://schemas.microsoft.com/office/powerpoint/2010/main" val="3015631954"/>
+      </p:ext>
+    </p:extLst>
   </p:cSld>
   <p:clrMapOvr>
     <a:masterClrMapping/>
@@ -6441,7 +6276,12 @@
             </p:custDataLst>
           </p:nvPr>
         </p:nvSpPr>
-        <p:spPr/>
+        <p:spPr>
+          <a:xfrm>
+            <a:off x="762000" y="269632"/>
+            <a:ext cx="8077200" cy="797168"/>
+          </a:xfrm>
+        </p:spPr>
         <p:txBody>
           <a:bodyPr/>
           <a:lstStyle/>
@@ -6458,7 +6298,7 @@
                 <a:ea typeface="Hei"/>
                 <a:cs typeface="Hei"/>
               </a:rPr>
-              <a:t>做了些什么</a:t>
+              <a:t>框架概述</a:t>
             </a:r>
             <a:endParaRPr lang="en-US" sz="4400" b="0" i="0" dirty="0">
               <a:solidFill>
@@ -6471,168 +6311,71 @@
           </a:p>
         </p:txBody>
       </p:sp>
-      <p:sp>
-        <p:nvSpPr>
-          <p:cNvPr id="5" name="Content Placeholder 4"/>
-          <p:cNvSpPr>
-            <a:spLocks noGrp="1"/>
-          </p:cNvSpPr>
-          <p:nvPr>
-            <p:ph idx="1"/>
-            <p:custDataLst>
-              <p:tags r:id="rId3"/>
-            </p:custDataLst>
-          </p:nvPr>
-        </p:nvSpPr>
-        <p:spPr/>
-        <p:txBody>
-          <a:bodyPr>
-            <a:normAutofit/>
+      <p:pic>
+        <p:nvPicPr>
+          <p:cNvPr id="6" name="图片 5" descr="1.jpeg"/>
+          <p:cNvPicPr>
+            <a:picLocks noChangeAspect="1"/>
+          </p:cNvPicPr>
+          <p:nvPr/>
+        </p:nvPicPr>
+        <p:blipFill>
+          <a:blip r:embed="rId5">
+            <a:extLst>
+              <a:ext uri="{28A0092B-C50C-407E-A947-70E740481C1C}">
+                <a14:useLocalDpi xmlns:a14="http://schemas.microsoft.com/office/drawing/2010/main" val="0"/>
+              </a:ext>
+            </a:extLst>
+          </a:blip>
+          <a:stretch>
+            <a:fillRect/>
+          </a:stretch>
+        </p:blipFill>
+        <p:spPr>
+          <a:xfrm>
+            <a:off x="838200" y="1143000"/>
+            <a:ext cx="8001000" cy="4620296"/>
+          </a:xfrm>
+          <a:prstGeom prst="rect">
+            <a:avLst/>
+          </a:prstGeom>
+        </p:spPr>
+      </p:pic>
+      <p:sp>
+        <p:nvSpPr>
+          <p:cNvPr id="7" name="文本框 6"/>
+          <p:cNvSpPr txBox="1"/>
+          <p:nvPr/>
+        </p:nvSpPr>
+        <p:spPr>
+          <a:xfrm>
+            <a:off x="838200" y="6019800"/>
+            <a:ext cx="8153400" cy="369332"/>
+          </a:xfrm>
+          <a:prstGeom prst="rect">
+            <a:avLst/>
+          </a:prstGeom>
+          <a:noFill/>
+        </p:spPr>
+        <p:txBody>
+          <a:bodyPr wrap="square" rtlCol="0">
+            <a:spAutoFit/>
           </a:bodyPr>
           <a:lstStyle/>
           <a:p>
-            <a:pPr marL="347472" indent="-347472" algn="l" defTabSz="914400">
-              <a:spcBef>
-                <a:spcPts val="768"/>
-              </a:spcBef>
-              <a:buClr>
-                <a:schemeClr val="tx1"/>
-              </a:buClr>
-              <a:buFont typeface="Arial"/>
-              <a:buChar char="•"/>
-            </a:pPr>
-            <a:r>
-              <a:rPr lang="en-US" altLang="en-US" dirty="0" smtClean="0">
-                <a:latin typeface="Hei"/>
-                <a:ea typeface="Hei"/>
-                <a:cs typeface="Hei"/>
-              </a:rPr>
-              <a:t>框架</a:t>
-            </a:r>
-            <a:r>
-              <a:rPr lang="zh-CN" altLang="en-US" dirty="0" smtClean="0">
-                <a:latin typeface="Hei"/>
-                <a:ea typeface="Hei"/>
-                <a:cs typeface="Hei"/>
-              </a:rPr>
-              <a:t>概述</a:t>
-            </a:r>
-            <a:endParaRPr lang="en-US" altLang="zh-CN" dirty="0" smtClean="0">
-              <a:latin typeface="Hei"/>
-              <a:ea typeface="Hei"/>
-              <a:cs typeface="Hei"/>
-            </a:endParaRPr>
-          </a:p>
-          <a:p>
-            <a:pPr marL="347472" indent="-347472">
-              <a:spcBef>
-                <a:spcPts val="768"/>
-              </a:spcBef>
-              <a:buClr>
-                <a:schemeClr val="tx1"/>
-              </a:buClr>
-              <a:buFont typeface="Arial"/>
-              <a:buChar char="•"/>
-            </a:pPr>
-            <a:r>
-              <a:rPr lang="zh-CN" altLang="en-US" dirty="0">
-                <a:latin typeface="Hei"/>
-                <a:ea typeface="Hei"/>
-                <a:cs typeface="Hei"/>
-              </a:rPr>
-              <a:t>服务的注册与发现</a:t>
-            </a:r>
-            <a:endParaRPr lang="en-US" altLang="zh-CN" dirty="0" smtClean="0">
-              <a:latin typeface="Hei"/>
-              <a:ea typeface="Hei"/>
-              <a:cs typeface="Hei"/>
-            </a:endParaRPr>
-          </a:p>
-          <a:p>
-            <a:pPr marL="347472" indent="-347472" algn="l" defTabSz="914400">
-              <a:spcBef>
-                <a:spcPts val="768"/>
-              </a:spcBef>
-              <a:buClr>
-                <a:schemeClr val="tx1"/>
-              </a:buClr>
-              <a:buFont typeface="Arial"/>
-              <a:buChar char="•"/>
-            </a:pPr>
-            <a:r>
-              <a:rPr lang="zh-CN" altLang="en-US" sz="3200" b="0" i="0" dirty="0" smtClean="0">
-                <a:solidFill>
-                  <a:schemeClr val="tx1"/>
-                </a:solidFill>
-                <a:latin typeface="Hei"/>
-                <a:ea typeface="Hei"/>
-                <a:cs typeface="Hei"/>
-              </a:rPr>
-              <a:t>服务的监控与治理</a:t>
-            </a:r>
-            <a:endParaRPr lang="en-US" sz="3200" b="0" i="0" dirty="0">
-              <a:solidFill>
-                <a:schemeClr val="tx1"/>
-              </a:solidFill>
-              <a:latin typeface="Hei"/>
-              <a:ea typeface="Hei"/>
-              <a:cs typeface="Hei"/>
-            </a:endParaRPr>
-          </a:p>
-          <a:p>
-            <a:pPr marL="347472" indent="-347472" algn="l" defTabSz="914400">
-              <a:spcBef>
-                <a:spcPts val="768"/>
-              </a:spcBef>
-              <a:buClr>
-                <a:schemeClr val="tx1"/>
-              </a:buClr>
-              <a:buFont typeface="Arial"/>
-              <a:buChar char="•"/>
-            </a:pPr>
-            <a:r>
-              <a:rPr lang="en-US" altLang="zh-CN" dirty="0" smtClean="0">
-                <a:latin typeface="Hei"/>
-                <a:ea typeface="Hei"/>
-                <a:cs typeface="Hei"/>
-              </a:rPr>
-              <a:t>Spring</a:t>
-            </a:r>
-            <a:r>
-              <a:rPr lang="zh-CN" altLang="en-US" dirty="0" smtClean="0">
-                <a:latin typeface="Hei"/>
-                <a:ea typeface="Hei"/>
-                <a:cs typeface="Hei"/>
-              </a:rPr>
-              <a:t>的应用</a:t>
-            </a:r>
-            <a:endParaRPr lang="en-US" sz="3200" b="0" i="0" dirty="0">
-              <a:solidFill>
-                <a:schemeClr val="tx1"/>
-              </a:solidFill>
-              <a:latin typeface="Hei"/>
-              <a:ea typeface="Hei"/>
-              <a:cs typeface="Hei"/>
-            </a:endParaRPr>
-          </a:p>
-          <a:p>
-            <a:pPr marL="0" indent="0" algn="l" defTabSz="914400">
-              <a:spcBef>
-                <a:spcPts val="768"/>
-              </a:spcBef>
-              <a:buClr>
-                <a:schemeClr val="tx1"/>
-              </a:buClr>
-              <a:buNone/>
-            </a:pPr>
-            <a:endParaRPr lang="en-US" sz="3200" b="0" i="0" dirty="0">
-              <a:solidFill>
-                <a:schemeClr val="tx1"/>
-              </a:solidFill>
-              <a:latin typeface="Hei"/>
-              <a:ea typeface="Hei"/>
-              <a:cs typeface="Hei"/>
-            </a:endParaRPr>
+            <a:r>
+              <a:rPr kumimoji="1" lang="zh-CN" altLang="en-US" dirty="0" smtClean="0"/>
+              <a:t>盗取阿里</a:t>
+            </a:r>
+            <a:r>
+              <a:rPr kumimoji="1" lang="en-US" altLang="zh-CN" dirty="0" err="1" smtClean="0"/>
+              <a:t>dubbo</a:t>
+            </a:r>
+            <a:r>
+              <a:rPr kumimoji="1" lang="zh-CN" altLang="en-US" dirty="0" smtClean="0"/>
+              <a:t>框架的架构图，代码也有大部分抄袭</a:t>
+            </a:r>
+            <a:endParaRPr kumimoji="1" lang="en-US" altLang="zh-CN" dirty="0" smtClean="0"/>
           </a:p>
         </p:txBody>
       </p:sp>
@@ -6642,7 +6385,7 @@
     </p:custDataLst>
     <p:extLst>
       <p:ext uri="{BB962C8B-B14F-4D97-AF65-F5344CB8AC3E}">
-        <p14:creationId xmlns:p14="http://schemas.microsoft.com/office/powerpoint/2010/main" val="3015631954"/>
+        <p14:creationId xmlns:p14="http://schemas.microsoft.com/office/powerpoint/2010/main" val="266155851"/>
       </p:ext>
     </p:extLst>
   </p:cSld>
@@ -6714,7 +6457,7 @@
                 <a:ea typeface="Hei"/>
                 <a:cs typeface="Hei"/>
               </a:rPr>
-              <a:t>框架概述</a:t>
+              <a:t>服务注册、发现</a:t>
             </a:r>
             <a:endParaRPr lang="en-US" sz="4400" b="0" i="0" dirty="0">
               <a:solidFill>
@@ -6727,71 +6470,344 @@
           </a:p>
         </p:txBody>
       </p:sp>
-      <p:pic>
-        <p:nvPicPr>
-          <p:cNvPr id="6" name="图片 5" descr="1.jpeg"/>
-          <p:cNvPicPr>
-            <a:picLocks noChangeAspect="1"/>
-          </p:cNvPicPr>
-          <p:nvPr/>
-        </p:nvPicPr>
-        <p:blipFill>
-          <a:blip r:embed="rId5">
-            <a:extLst>
-              <a:ext uri="{28A0092B-C50C-407E-A947-70E740481C1C}">
-                <a14:useLocalDpi xmlns:a14="http://schemas.microsoft.com/office/drawing/2010/main" val="0"/>
-              </a:ext>
-            </a:extLst>
-          </a:blip>
-          <a:stretch>
-            <a:fillRect/>
-          </a:stretch>
-        </p:blipFill>
+      <p:sp>
+        <p:nvSpPr>
+          <p:cNvPr id="5" name="Content Placeholder 4"/>
+          <p:cNvSpPr>
+            <a:spLocks noGrp="1"/>
+          </p:cNvSpPr>
+          <p:nvPr>
+            <p:ph idx="1"/>
+            <p:custDataLst>
+              <p:tags r:id="rId3"/>
+            </p:custDataLst>
+          </p:nvPr>
+        </p:nvSpPr>
         <p:spPr>
           <a:xfrm>
-            <a:off x="838200" y="1143000"/>
-            <a:ext cx="8001000" cy="4620296"/>
+            <a:off x="838200" y="1219200"/>
+            <a:ext cx="8077200" cy="4297363"/>
           </a:xfrm>
-          <a:prstGeom prst="rect">
-            <a:avLst/>
-          </a:prstGeom>
         </p:spPr>
-      </p:pic>
-      <p:sp>
-        <p:nvSpPr>
-          <p:cNvPr id="7" name="文本框 6"/>
-          <p:cNvSpPr txBox="1"/>
-          <p:nvPr/>
-        </p:nvSpPr>
-        <p:spPr>
-          <a:xfrm>
-            <a:off x="838200" y="6019800"/>
-            <a:ext cx="8153400" cy="369332"/>
-          </a:xfrm>
-          <a:prstGeom prst="rect">
-            <a:avLst/>
-          </a:prstGeom>
-          <a:noFill/>
-        </p:spPr>
-        <p:txBody>
-          <a:bodyPr wrap="square" rtlCol="0">
-            <a:spAutoFit/>
+        <p:txBody>
+          <a:bodyPr>
+            <a:normAutofit fontScale="92500" lnSpcReduction="10000"/>
           </a:bodyPr>
           <a:lstStyle/>
           <a:p>
-            <a:r>
-              <a:rPr kumimoji="1" lang="zh-CN" altLang="en-US" dirty="0" smtClean="0"/>
-              <a:t>盗取阿里</a:t>
-            </a:r>
-            <a:r>
-              <a:rPr kumimoji="1" lang="en-US" altLang="zh-CN" dirty="0" err="1" smtClean="0"/>
-              <a:t>dubbo</a:t>
-            </a:r>
-            <a:r>
-              <a:rPr kumimoji="1" lang="zh-CN" altLang="en-US" dirty="0" smtClean="0"/>
-              <a:t>框架的架构图，代码也有大部分抄袭</a:t>
-            </a:r>
-            <a:endParaRPr kumimoji="1" lang="en-US" altLang="zh-CN" dirty="0" smtClean="0"/>
+            <a:pPr marL="347472" indent="-347472" algn="l" defTabSz="914400">
+              <a:spcBef>
+                <a:spcPts val="768"/>
+              </a:spcBef>
+              <a:buClr>
+                <a:schemeClr val="tx1"/>
+              </a:buClr>
+              <a:buFont typeface="Arial"/>
+              <a:buChar char="•"/>
+            </a:pPr>
+            <a:r>
+              <a:rPr lang="zh-CN" altLang="en-US" dirty="0" smtClean="0">
+                <a:latin typeface="Hei"/>
+                <a:ea typeface="Hei"/>
+                <a:cs typeface="Hei"/>
+              </a:rPr>
+              <a:t>如何连接</a:t>
+            </a:r>
+            <a:r>
+              <a:rPr lang="en-US" altLang="zh-CN" dirty="0" err="1" smtClean="0">
+                <a:latin typeface="Hei"/>
+                <a:ea typeface="Hei"/>
+                <a:cs typeface="Hei"/>
+              </a:rPr>
+              <a:t>rpc</a:t>
+            </a:r>
+            <a:r>
+              <a:rPr lang="zh-CN" altLang="en-US" dirty="0" smtClean="0">
+                <a:latin typeface="Hei"/>
+                <a:ea typeface="Hei"/>
+                <a:cs typeface="Hei"/>
+              </a:rPr>
+              <a:t>服务（</a:t>
+            </a:r>
+            <a:r>
+              <a:rPr lang="en-US" altLang="zh-CN" dirty="0" smtClean="0">
+                <a:latin typeface="Hei"/>
+                <a:ea typeface="Hei"/>
+                <a:cs typeface="Hei"/>
+              </a:rPr>
+              <a:t>host</a:t>
+            </a:r>
+            <a:r>
+              <a:rPr lang="zh-CN" altLang="en-US" dirty="0" smtClean="0">
+                <a:latin typeface="Hei"/>
+                <a:ea typeface="Hei"/>
+                <a:cs typeface="Hei"/>
+              </a:rPr>
+              <a:t>，</a:t>
+            </a:r>
+            <a:r>
+              <a:rPr lang="en-US" altLang="zh-CN" dirty="0" smtClean="0">
+                <a:latin typeface="Hei"/>
+                <a:ea typeface="Hei"/>
+                <a:cs typeface="Hei"/>
+              </a:rPr>
+              <a:t>port</a:t>
+            </a:r>
+            <a:r>
+              <a:rPr lang="zh-CN" altLang="en-US" dirty="0" smtClean="0">
+                <a:latin typeface="Hei"/>
+                <a:ea typeface="Hei"/>
+                <a:cs typeface="Hei"/>
+              </a:rPr>
+              <a:t>）</a:t>
+            </a:r>
+            <a:endParaRPr lang="en-US" altLang="zh-CN" dirty="0" smtClean="0">
+              <a:latin typeface="Hei"/>
+              <a:ea typeface="Hei"/>
+              <a:cs typeface="Hei"/>
+            </a:endParaRPr>
+          </a:p>
+          <a:p>
+            <a:pPr marL="347472" indent="-347472" algn="l" defTabSz="914400">
+              <a:spcBef>
+                <a:spcPts val="768"/>
+              </a:spcBef>
+              <a:buClr>
+                <a:schemeClr val="tx1"/>
+              </a:buClr>
+              <a:buFont typeface="Arial"/>
+              <a:buChar char="•"/>
+            </a:pPr>
+            <a:r>
+              <a:rPr lang="en-US" altLang="zh-CN" dirty="0" smtClean="0">
+                <a:latin typeface="Hei"/>
+                <a:ea typeface="Hei"/>
+                <a:cs typeface="Hei"/>
+              </a:rPr>
+              <a:t>Host</a:t>
+            </a:r>
+            <a:r>
+              <a:rPr lang="zh-CN" altLang="en-US" dirty="0" smtClean="0">
+                <a:latin typeface="Hei"/>
+                <a:ea typeface="Hei"/>
+                <a:cs typeface="Hei"/>
+              </a:rPr>
+              <a:t>，</a:t>
+            </a:r>
+            <a:r>
+              <a:rPr lang="en-US" altLang="zh-CN" dirty="0" smtClean="0">
+                <a:latin typeface="Hei"/>
+                <a:ea typeface="Hei"/>
+                <a:cs typeface="Hei"/>
+              </a:rPr>
+              <a:t>port</a:t>
+            </a:r>
+            <a:r>
+              <a:rPr lang="zh-CN" altLang="en-US" dirty="0" smtClean="0">
+                <a:latin typeface="Hei"/>
+                <a:ea typeface="Hei"/>
+                <a:cs typeface="Hei"/>
+              </a:rPr>
+              <a:t>配置放在哪儿</a:t>
+            </a:r>
+            <a:endParaRPr lang="en-US" altLang="zh-CN" dirty="0" smtClean="0">
+              <a:latin typeface="Hei"/>
+              <a:ea typeface="Hei"/>
+              <a:cs typeface="Hei"/>
+            </a:endParaRPr>
+          </a:p>
+          <a:p>
+            <a:pPr marL="347472" indent="-347472" algn="l" defTabSz="914400">
+              <a:spcBef>
+                <a:spcPts val="768"/>
+              </a:spcBef>
+              <a:buClr>
+                <a:schemeClr val="tx1"/>
+              </a:buClr>
+              <a:buFont typeface="Arial"/>
+              <a:buChar char="•"/>
+            </a:pPr>
+            <a:r>
+              <a:rPr lang="zh-CN" altLang="en-US" dirty="0" smtClean="0">
+                <a:latin typeface="Hei"/>
+                <a:ea typeface="Hei"/>
+                <a:cs typeface="Hei"/>
+              </a:rPr>
+              <a:t>增加减少迁移服务后如何同步</a:t>
+            </a:r>
+            <a:r>
+              <a:rPr lang="en-US" altLang="zh-CN" dirty="0" smtClean="0">
+                <a:latin typeface="Hei"/>
+                <a:ea typeface="Hei"/>
+                <a:cs typeface="Hei"/>
+              </a:rPr>
+              <a:t>host</a:t>
+            </a:r>
+            <a:r>
+              <a:rPr lang="zh-CN" altLang="en-US" dirty="0" smtClean="0">
+                <a:latin typeface="Hei"/>
+                <a:ea typeface="Hei"/>
+                <a:cs typeface="Hei"/>
+              </a:rPr>
+              <a:t>，</a:t>
+            </a:r>
+            <a:r>
+              <a:rPr lang="en-US" altLang="zh-CN" dirty="0" smtClean="0">
+                <a:latin typeface="Hei"/>
+                <a:ea typeface="Hei"/>
+                <a:cs typeface="Hei"/>
+              </a:rPr>
+              <a:t>port</a:t>
+            </a:r>
+            <a:r>
+              <a:rPr lang="zh-CN" altLang="en-US" dirty="0" smtClean="0">
+                <a:latin typeface="Hei"/>
+                <a:ea typeface="Hei"/>
+                <a:cs typeface="Hei"/>
+              </a:rPr>
+              <a:t>的配置信息</a:t>
+            </a:r>
+            <a:endParaRPr lang="en-US" altLang="zh-CN" dirty="0" smtClean="0">
+              <a:latin typeface="Hei"/>
+              <a:ea typeface="Hei"/>
+              <a:cs typeface="Hei"/>
+            </a:endParaRPr>
+          </a:p>
+          <a:p>
+            <a:pPr marL="347472" indent="-347472" algn="l" defTabSz="914400">
+              <a:spcBef>
+                <a:spcPts val="768"/>
+              </a:spcBef>
+              <a:buClr>
+                <a:schemeClr val="tx1"/>
+              </a:buClr>
+              <a:buFont typeface="Arial"/>
+              <a:buChar char="•"/>
+            </a:pPr>
+            <a:r>
+              <a:rPr lang="en-US" altLang="zh-CN" dirty="0" smtClean="0">
+                <a:latin typeface="Hei"/>
+                <a:ea typeface="Hei"/>
+                <a:cs typeface="Hei"/>
+              </a:rPr>
+              <a:t>Zookeeper</a:t>
+            </a:r>
+            <a:r>
+              <a:rPr lang="zh-CN" altLang="en-US" dirty="0" smtClean="0">
+                <a:latin typeface="Hei"/>
+                <a:ea typeface="Hei"/>
+                <a:cs typeface="Hei"/>
+              </a:rPr>
+              <a:t>的应用</a:t>
+            </a:r>
+            <a:endParaRPr lang="en-US" altLang="zh-CN" dirty="0" smtClean="0">
+              <a:latin typeface="Hei"/>
+              <a:ea typeface="Hei"/>
+              <a:cs typeface="Hei"/>
+            </a:endParaRPr>
+          </a:p>
+          <a:p>
+            <a:pPr marL="347472" indent="-347472" algn="l" defTabSz="914400">
+              <a:spcBef>
+                <a:spcPts val="768"/>
+              </a:spcBef>
+              <a:buClr>
+                <a:schemeClr val="tx1"/>
+              </a:buClr>
+              <a:buFont typeface="Arial"/>
+              <a:buChar char="•"/>
+            </a:pPr>
+            <a:r>
+              <a:rPr lang="zh-CN" altLang="en-US" dirty="0" smtClean="0">
+                <a:latin typeface="Hei"/>
+                <a:ea typeface="Hei"/>
+                <a:cs typeface="Hei"/>
+              </a:rPr>
+              <a:t>负载均衡</a:t>
+            </a:r>
+            <a:endParaRPr lang="en-US" sz="3200" b="0" i="0" dirty="0">
+              <a:solidFill>
+                <a:schemeClr val="tx1"/>
+              </a:solidFill>
+              <a:latin typeface="Hei"/>
+              <a:ea typeface="Hei"/>
+              <a:cs typeface="Hei"/>
+            </a:endParaRPr>
+          </a:p>
+          <a:p>
+            <a:pPr marL="347472" indent="-347472" algn="l" defTabSz="914400">
+              <a:spcBef>
+                <a:spcPts val="768"/>
+              </a:spcBef>
+              <a:buClr>
+                <a:schemeClr val="tx1"/>
+              </a:buClr>
+              <a:buFont typeface="Arial"/>
+              <a:buChar char="•"/>
+            </a:pPr>
+            <a:r>
+              <a:rPr lang="zh-CN" altLang="en-US" dirty="0" smtClean="0">
+                <a:latin typeface="Hei"/>
+                <a:ea typeface="Hei"/>
+                <a:cs typeface="Hei"/>
+              </a:rPr>
+              <a:t>故障转移</a:t>
+            </a:r>
+            <a:endParaRPr lang="en-US" altLang="zh-CN" dirty="0" smtClean="0">
+              <a:latin typeface="Hei"/>
+              <a:ea typeface="Hei"/>
+              <a:cs typeface="Hei"/>
+            </a:endParaRPr>
+          </a:p>
+          <a:p>
+            <a:pPr marL="347472" indent="-347472" algn="l" defTabSz="914400">
+              <a:spcBef>
+                <a:spcPts val="768"/>
+              </a:spcBef>
+              <a:buClr>
+                <a:schemeClr val="tx1"/>
+              </a:buClr>
+              <a:buFont typeface="Arial"/>
+              <a:buChar char="•"/>
+            </a:pPr>
+            <a:r>
+              <a:rPr lang="zh-CN" altLang="en-US" sz="3200" b="0" i="0" dirty="0" smtClean="0">
+                <a:solidFill>
+                  <a:schemeClr val="tx1"/>
+                </a:solidFill>
+                <a:latin typeface="Hei"/>
+                <a:ea typeface="Hei"/>
+                <a:cs typeface="Hei"/>
+              </a:rPr>
+              <a:t>水平扩展</a:t>
+            </a:r>
+            <a:endParaRPr lang="en-US" sz="3200" b="0" i="0" dirty="0">
+              <a:solidFill>
+                <a:schemeClr val="tx1"/>
+              </a:solidFill>
+              <a:latin typeface="Hei"/>
+              <a:ea typeface="Hei"/>
+              <a:cs typeface="Hei"/>
+            </a:endParaRPr>
+          </a:p>
+          <a:p>
+            <a:pPr marL="0" indent="0" algn="l" defTabSz="914400">
+              <a:spcBef>
+                <a:spcPts val="768"/>
+              </a:spcBef>
+              <a:buClr>
+                <a:schemeClr val="tx1"/>
+              </a:buClr>
+              <a:buNone/>
+            </a:pPr>
+            <a:endParaRPr lang="en-US" sz="3200" b="0" i="0" dirty="0">
+              <a:solidFill>
+                <a:schemeClr val="tx1"/>
+              </a:solidFill>
+              <a:latin typeface="Hei"/>
+              <a:ea typeface="Hei"/>
+              <a:cs typeface="Hei"/>
+            </a:endParaRPr>
           </a:p>
         </p:txBody>
       </p:sp>
@@ -6801,7 +6817,7 @@
     </p:custDataLst>
     <p:extLst>
       <p:ext uri="{BB962C8B-B14F-4D97-AF65-F5344CB8AC3E}">
-        <p14:creationId xmlns:p14="http://schemas.microsoft.com/office/powerpoint/2010/main" val="266155851"/>
+        <p14:creationId xmlns:p14="http://schemas.microsoft.com/office/powerpoint/2010/main" val="3903190984"/>
       </p:ext>
     </p:extLst>
   </p:cSld>
@@ -6873,11 +6889,22 @@
                 <a:ea typeface="Hei"/>
                 <a:cs typeface="Hei"/>
               </a:rPr>
-              <a:t>服务注册、发现</a:t>
+              <a:t>服务监控、</a:t>
+            </a:r>
+            <a:r>
+              <a:rPr lang="zh-CN" altLang="en-US" dirty="0" smtClean="0">
+                <a:solidFill>
+                  <a:srgbClr val="FF0000"/>
+                </a:solidFill>
+                <a:latin typeface="Hei"/>
+                <a:ea typeface="Hei"/>
+                <a:cs typeface="Hei"/>
+              </a:rPr>
+              <a:t>治理</a:t>
             </a:r>
             <a:endParaRPr lang="en-US" sz="4400" b="0" i="0" dirty="0">
               <a:solidFill>
-                <a:schemeClr val="tx1"/>
+                <a:srgbClr val="FF0000"/>
               </a:solidFill>
               <a:latin typeface="Hei"/>
               <a:ea typeface="Hei"/>
@@ -6907,7 +6934,7 @@
         </p:spPr>
         <p:txBody>
           <a:bodyPr>
-            <a:normAutofit fontScale="92500" lnSpcReduction="10000"/>
+            <a:normAutofit/>
           </a:bodyPr>
           <a:lstStyle/>
           <a:p>
@@ -6927,55 +6954,7 @@
                 <a:ea typeface="Hei"/>
                 <a:cs typeface="Hei"/>
               </a:rPr>
-              <a:t>如何连接</a:t>
-            </a:r>
-            <a:r>
-              <a:rPr lang="en-US" altLang="zh-CN" dirty="0" err="1" smtClean="0">
-                <a:latin typeface="Hei"/>
-                <a:ea typeface="Hei"/>
-                <a:cs typeface="Hei"/>
-              </a:rPr>
-              <a:t>rpc</a:t>
-            </a:r>
-            <a:r>
-              <a:rPr lang="zh-CN" altLang="en-US" dirty="0" smtClean="0">
-                <a:latin typeface="Hei"/>
-                <a:ea typeface="Hei"/>
-                <a:cs typeface="Hei"/>
-              </a:rPr>
-              <a:t>服务（</a:t>
-            </a:r>
-            <a:r>
-              <a:rPr lang="en-US" altLang="zh-CN" dirty="0" smtClean="0">
-                <a:latin typeface="Hei"/>
-                <a:ea typeface="Hei"/>
-                <a:cs typeface="Hei"/>
-              </a:rPr>
-              <a:t>host</a:t>
-            </a:r>
-            <a:r>
-              <a:rPr lang="zh-CN" altLang="en-US" dirty="0" smtClean="0">
-                <a:latin typeface="Hei"/>
-                <a:ea typeface="Hei"/>
-                <a:cs typeface="Hei"/>
-              </a:rPr>
-              <a:t>，</a:t>
-            </a:r>
-            <a:r>
-              <a:rPr lang="en-US" altLang="zh-CN" dirty="0" smtClean="0">
-                <a:latin typeface="Hei"/>
-                <a:ea typeface="Hei"/>
-                <a:cs typeface="Hei"/>
-              </a:rPr>
-              <a:t>port</a:t>
-            </a:r>
-            <a:r>
-              <a:rPr lang="zh-CN" altLang="en-US" dirty="0" smtClean="0">
-                <a:latin typeface="Hei"/>
-                <a:ea typeface="Hei"/>
-                <a:cs typeface="Hei"/>
-              </a:rPr>
-              <a:t>）</a:t>
+              <a:t>服务运行状态</a:t>
             </a:r>
             <a:endParaRPr lang="en-US" altLang="zh-CN" dirty="0" smtClean="0">
               <a:latin typeface="Hei"/>
@@ -6995,28 +6974,36 @@
               <a:buChar char="•"/>
             </a:pPr>
             <a:r>
-              <a:rPr lang="en-US" altLang="zh-CN" dirty="0" smtClean="0">
-                <a:latin typeface="Hei"/>
-                <a:ea typeface="Hei"/>
-                <a:cs typeface="Hei"/>
-              </a:rPr>
-              <a:t>Host</a:t>
-            </a:r>
-            <a:r>
               <a:rPr lang="zh-CN" altLang="en-US" dirty="0" smtClean="0">
                 <a:latin typeface="Hei"/>
                 <a:ea typeface="Hei"/>
                 <a:cs typeface="Hei"/>
               </a:rPr>
-              <a:t>，</a:t>
-            </a:r>
-            <a:r>
-              <a:rPr lang="en-US" altLang="zh-CN" dirty="0" smtClean="0">
+              <a:t>并发量，响应时间</a:t>
+            </a:r>
+            <a:endParaRPr lang="en-US" altLang="zh-CN" dirty="0" smtClean="0">
+              <a:latin typeface="Hei"/>
+              <a:ea typeface="Hei"/>
+              <a:cs typeface="Hei"/>
+            </a:endParaRPr>
+          </a:p>
+          <a:p>
+            <a:pPr marL="0" indent="0" algn="l" defTabSz="914400">
+              <a:spcBef>
+                <a:spcPts val="768"/>
+              </a:spcBef>
+              <a:buClr>
+                <a:schemeClr val="tx1"/>
+              </a:buClr>
+              <a:buNone/>
+            </a:pPr>
+            <a:r>
+              <a:rPr lang="zh-CN" altLang="zh-CN" dirty="0">
                 <a:latin typeface="Hei"/>
                 <a:ea typeface="Hei"/>
                 <a:cs typeface="Hei"/>
               </a:rPr>
-              <a:t>port</a:t>
+              <a:t> </a:t>
             </a:r>
             <a:r>
               <a:rPr lang="zh-CN" altLang="en-US" dirty="0" smtClean="0">
@@ -7024,9 +7011,17 @@
                 <a:ea typeface="Hei"/>
                 <a:cs typeface="Hei"/>
               </a:rPr>
-              <a:t>配置放在哪儿</a:t>
-            </a:r>
-            <a:endParaRPr lang="en-US" altLang="zh-CN" dirty="0" smtClean="0">
+              <a:t>  </a:t>
+            </a:r>
+            <a:r>
+              <a:rPr lang="zh-CN" altLang="en-US" sz="1800" dirty="0" smtClean="0">
+                <a:latin typeface="Hei"/>
+                <a:ea typeface="Hei"/>
+                <a:cs typeface="Hei"/>
+              </a:rPr>
+              <a:t>提供服务优化的依据</a:t>
+            </a:r>
+            <a:endParaRPr lang="en-US" altLang="zh-CN" sz="1800" dirty="0" smtClean="0">
               <a:latin typeface="Hei"/>
               <a:ea typeface="Hei"/>
               <a:cs typeface="Hei"/>
@@ -7049,39 +7044,7 @@
                 <a:ea typeface="Hei"/>
                 <a:cs typeface="Hei"/>
               </a:rPr>
-              <a:t>增加减少迁移服务后如何同步</a:t>
-            </a:r>
-            <a:r>
-              <a:rPr lang="en-US" altLang="zh-CN" dirty="0" smtClean="0">
-                <a:latin typeface="Hei"/>
-                <a:ea typeface="Hei"/>
-                <a:cs typeface="Hei"/>
-              </a:rPr>
-              <a:t>host</a:t>
-            </a:r>
-            <a:r>
-              <a:rPr lang="zh-CN" altLang="en-US" dirty="0" smtClean="0">
-                <a:latin typeface="Hei"/>
-                <a:ea typeface="Hei"/>
-                <a:cs typeface="Hei"/>
-              </a:rPr>
-              <a:t>，</a:t>
-            </a:r>
-            <a:r>
-              <a:rPr lang="en-US" altLang="zh-CN" dirty="0" smtClean="0">
-                <a:latin typeface="Hei"/>
-                <a:ea typeface="Hei"/>
-                <a:cs typeface="Hei"/>
-              </a:rPr>
-              <a:t>port</a:t>
-            </a:r>
-            <a:r>
-              <a:rPr lang="zh-CN" altLang="en-US" dirty="0" smtClean="0">
-                <a:latin typeface="Hei"/>
-                <a:ea typeface="Hei"/>
-                <a:cs typeface="Hei"/>
-              </a:rPr>
-              <a:t>的配置信息</a:t>
+              <a:t>应用的依赖关系</a:t>
             </a:r>
             <a:endParaRPr lang="en-US" altLang="zh-CN" dirty="0" smtClean="0">
               <a:latin typeface="Hei"/>
@@ -7101,20 +7064,12 @@
               <a:buChar char="•"/>
             </a:pPr>
             <a:r>
-              <a:rPr lang="en-US" altLang="zh-CN" dirty="0" smtClean="0">
-                <a:latin typeface="Hei"/>
-                <a:ea typeface="Hei"/>
-                <a:cs typeface="Hei"/>
-              </a:rPr>
-              <a:t>Zookeeper</a:t>
-            </a:r>
-            <a:r>
               <a:rPr lang="zh-CN" altLang="en-US" dirty="0" smtClean="0">
                 <a:latin typeface="Hei"/>
                 <a:ea typeface="Hei"/>
                 <a:cs typeface="Hei"/>
               </a:rPr>
-              <a:t>的应用</a:t>
+              <a:t>故障报警</a:t>
             </a:r>
             <a:endParaRPr lang="en-US" altLang="zh-CN" dirty="0" smtClean="0">
               <a:latin typeface="Hei"/>
@@ -7123,24 +7078,113 @@
             </a:endParaRPr>
           </a:p>
           <a:p>
-            <a:pPr marL="347472" indent="-347472" algn="l" defTabSz="914400">
+            <a:pPr marL="0" indent="0" algn="l" defTabSz="914400">
               <a:spcBef>
                 <a:spcPts val="768"/>
               </a:spcBef>
               <a:buClr>
                 <a:schemeClr val="tx1"/>
               </a:buClr>
-              <a:buFont typeface="Arial"/>
-              <a:buChar char="•"/>
-            </a:pPr>
-            <a:r>
-              <a:rPr lang="zh-CN" altLang="en-US" dirty="0" smtClean="0">
+              <a:buNone/>
+            </a:pPr>
+            <a:r>
+              <a:rPr lang="zh-CN" altLang="zh-CN" sz="3200" b="0" i="0" dirty="0">
+                <a:solidFill>
+                  <a:schemeClr val="tx1"/>
+                </a:solidFill>
                 <a:latin typeface="Hei"/>
                 <a:ea typeface="Hei"/>
                 <a:cs typeface="Hei"/>
               </a:rPr>
-              <a:t>负载均衡</a:t>
-            </a:r>
+              <a:t> </a:t>
+            </a:r>
+            <a:r>
+              <a:rPr lang="zh-CN" altLang="en-US" sz="3200" b="0" i="0" dirty="0" smtClean="0">
+                <a:solidFill>
+                  <a:schemeClr val="tx1"/>
+                </a:solidFill>
+                <a:latin typeface="Hei"/>
+                <a:ea typeface="Hei"/>
+                <a:cs typeface="Hei"/>
+              </a:rPr>
+              <a:t>  </a:t>
+            </a:r>
+            <a:r>
+              <a:rPr lang="zh-CN" altLang="en-US" sz="1800" b="0" i="0" dirty="0" smtClean="0">
+                <a:solidFill>
+                  <a:schemeClr val="tx1"/>
+                </a:solidFill>
+                <a:latin typeface="Hei"/>
+                <a:ea typeface="Hei"/>
+                <a:cs typeface="Hei"/>
+              </a:rPr>
+              <a:t>宕机、并发量、响应时间、失败率都可以触发报警</a:t>
+            </a:r>
+            <a:endParaRPr lang="en-US" altLang="zh-CN" sz="1800" b="0" i="0" dirty="0" smtClean="0">
+              <a:solidFill>
+                <a:schemeClr val="tx1"/>
+              </a:solidFill>
+              <a:latin typeface="Hei"/>
+              <a:ea typeface="Hei"/>
+              <a:cs typeface="Hei"/>
+            </a:endParaRPr>
+          </a:p>
+          <a:p>
+            <a:pPr marL="0" indent="0" algn="l" defTabSz="914400">
+              <a:spcBef>
+                <a:spcPts val="768"/>
+              </a:spcBef>
+              <a:buClr>
+                <a:schemeClr val="tx1"/>
+              </a:buClr>
+              <a:buNone/>
+            </a:pPr>
+            <a:endParaRPr lang="en-US" sz="1800" dirty="0">
+              <a:latin typeface="Hei"/>
+              <a:ea typeface="Hei"/>
+              <a:cs typeface="Hei"/>
+            </a:endParaRPr>
+          </a:p>
+          <a:p>
+            <a:pPr marL="0" indent="0" algn="l" defTabSz="914400">
+              <a:spcBef>
+                <a:spcPts val="768"/>
+              </a:spcBef>
+              <a:buClr>
+                <a:schemeClr val="tx1"/>
+              </a:buClr>
+              <a:buNone/>
+            </a:pPr>
+            <a:r>
+              <a:rPr lang="zh-CN" altLang="en-US" sz="1800" b="0" i="0" dirty="0" smtClean="0">
+                <a:solidFill>
+                  <a:srgbClr val="FF0000"/>
+                </a:solidFill>
+                <a:latin typeface="Hei"/>
+                <a:ea typeface="Hei"/>
+                <a:cs typeface="Hei"/>
+              </a:rPr>
+              <a:t>控制台演示</a:t>
+            </a:r>
+            <a:endParaRPr lang="en-US" sz="1800" b="0" i="0" dirty="0" smtClean="0">
+              <a:solidFill>
+                <a:srgbClr val="FF0000"/>
+              </a:solidFill>
+              <a:latin typeface="Hei"/>
+              <a:ea typeface="Hei"/>
+              <a:cs typeface="Hei"/>
+            </a:endParaRPr>
+          </a:p>
+          <a:p>
+            <a:pPr marL="0" indent="0" algn="l" defTabSz="914400">
+              <a:spcBef>
+                <a:spcPts val="768"/>
+              </a:spcBef>
+              <a:buClr>
+                <a:schemeClr val="tx1"/>
+              </a:buClr>
+              <a:buNone/>
+            </a:pPr>
             <a:endParaRPr lang="en-US" sz="3200" b="0" i="0" dirty="0">
               <a:solidFill>
                 <a:schemeClr val="tx1"/>
@@ -7150,81 +7194,6 @@
               <a:cs typeface="Hei"/>
             </a:endParaRPr>
           </a:p>
-          <a:p>
-            <a:pPr marL="347472" indent="-347472" algn="l" defTabSz="914400">
-              <a:spcBef>
-                <a:spcPts val="768"/>
-              </a:spcBef>
-              <a:buClr>
-                <a:schemeClr val="tx1"/>
-              </a:buClr>
-              <a:buFont typeface="Arial"/>
-              <a:buChar char="•"/>
-            </a:pPr>
-            <a:r>
-              <a:rPr lang="zh-CN" altLang="en-US" dirty="0" smtClean="0">
-                <a:latin typeface="Hei"/>
-                <a:ea typeface="Hei"/>
-                <a:cs typeface="Hei"/>
-              </a:rPr>
-              <a:t>故障转移</a:t>
-            </a:r>
-            <a:endParaRPr lang="en-US" altLang="zh-CN" dirty="0" smtClean="0">
-              <a:latin typeface="Hei"/>
-              <a:ea typeface="Hei"/>
-              <a:cs typeface="Hei"/>
-            </a:endParaRPr>
-          </a:p>
-          <a:p>
-            <a:pPr marL="347472" indent="-347472" algn="l" defTabSz="914400">
-              <a:spcBef>
-                <a:spcPts val="768"/>
-              </a:spcBef>
-              <a:buClr>
-                <a:schemeClr val="tx1"/>
-              </a:buClr>
-              <a:buFont typeface="Arial"/>
-              <a:buChar char="•"/>
-            </a:pPr>
-            <a:r>
-              <a:rPr lang="zh-CN" altLang="en-US" sz="3200" b="0" i="0" dirty="0" smtClean="0">
-                <a:solidFill>
-                  <a:schemeClr val="tx1"/>
-                </a:solidFill>
-                <a:latin typeface="Hei"/>
-                <a:ea typeface="Hei"/>
-                <a:cs typeface="Hei"/>
-              </a:rPr>
-              <a:t>水平扩展</a:t>
-            </a:r>
-            <a:endParaRPr lang="en-US" sz="3200" b="0" i="0" dirty="0">
-              <a:solidFill>
-                <a:schemeClr val="tx1"/>
-              </a:solidFill>
-              <a:latin typeface="Hei"/>
-              <a:ea typeface="Hei"/>
-              <a:cs typeface="Hei"/>
-            </a:endParaRPr>
-          </a:p>
-          <a:p>
-            <a:pPr marL="0" indent="0" algn="l" defTabSz="914400">
-              <a:spcBef>
-                <a:spcPts val="768"/>
-              </a:spcBef>
-              <a:buClr>
-                <a:schemeClr val="tx1"/>
-              </a:buClr>
-              <a:buNone/>
-            </a:pPr>
-            <a:endParaRPr lang="en-US" sz="3200" b="0" i="0" dirty="0">
-              <a:solidFill>
-                <a:schemeClr val="tx1"/>
-              </a:solidFill>
-              <a:latin typeface="Hei"/>
-              <a:ea typeface="Hei"/>
-              <a:cs typeface="Hei"/>
-            </a:endParaRPr>
-          </a:p>
         </p:txBody>
       </p:sp>
     </p:spTree>
@@ -7233,7 +7202,7 @@
     </p:custDataLst>
     <p:extLst>
       <p:ext uri="{BB962C8B-B14F-4D97-AF65-F5344CB8AC3E}">
-        <p14:creationId xmlns:p14="http://schemas.microsoft.com/office/powerpoint/2010/main" val="3903190984"/>
+        <p14:creationId xmlns:p14="http://schemas.microsoft.com/office/powerpoint/2010/main" val="2867915753"/>
       </p:ext>
     </p:extLst>
   </p:cSld>
@@ -7300,27 +7269,24 @@
               <a:buNone/>
             </a:pPr>
             <a:r>
+              <a:rPr lang="en-US" altLang="zh-CN" dirty="0" smtClean="0">
+                <a:latin typeface="Hei"/>
+                <a:ea typeface="Hei"/>
+                <a:cs typeface="Hei"/>
+              </a:rPr>
+              <a:t>Spring</a:t>
+            </a:r>
+            <a:r>
               <a:rPr lang="zh-CN" altLang="en-US" dirty="0" smtClean="0">
                 <a:latin typeface="Hei"/>
                 <a:ea typeface="Hei"/>
                 <a:cs typeface="Hei"/>
               </a:rPr>
-              <a:t>服务监控、</a:t>
-            </a:r>
-            <a:r>
-              <a:rPr lang="zh-CN" altLang="en-US" dirty="0" smtClean="0">
-                <a:solidFill>
-                  <a:srgbClr val="FF0000"/>
-                </a:solidFill>
-                <a:latin typeface="Hei"/>
-                <a:ea typeface="Hei"/>
-                <a:cs typeface="Hei"/>
-              </a:rPr>
-              <a:t>治理</a:t>
+              <a:t>的应用</a:t>
             </a:r>
             <a:endParaRPr lang="en-US" sz="4400" b="0" i="0" dirty="0">
               <a:solidFill>
-                <a:srgbClr val="FF0000"/>
+                <a:schemeClr val="tx1"/>
               </a:solidFill>
               <a:latin typeface="Hei"/>
               <a:ea typeface="Hei"/>
@@ -7370,9 +7336,9 @@
                 <a:ea typeface="Hei"/>
                 <a:cs typeface="Hei"/>
               </a:rPr>
-              <a:t>服务运行状态</a:t>
-            </a:r>
-            <a:endParaRPr lang="en-US" altLang="zh-CN" dirty="0" smtClean="0">
+              <a:t>业界标准，必须掌握，优点自查</a:t>
+            </a:r>
+            <a:endParaRPr lang="en-US" altLang="zh-CN" sz="1800" dirty="0">
               <a:latin typeface="Hei"/>
               <a:ea typeface="Hei"/>
               <a:cs typeface="Hei"/>
@@ -7395,31 +7361,15 @@
                 <a:ea typeface="Hei"/>
                 <a:cs typeface="Hei"/>
               </a:rPr>
-              <a:t>并发量，响应时间</a:t>
-            </a:r>
-            <a:endParaRPr lang="en-US" altLang="zh-CN" dirty="0" smtClean="0">
-              <a:latin typeface="Hei"/>
-              <a:ea typeface="Hei"/>
-              <a:cs typeface="Hei"/>
-            </a:endParaRPr>
-          </a:p>
-          <a:p>
-            <a:pPr marL="0" indent="0" algn="l" defTabSz="914400">
-              <a:spcBef>
-                <a:spcPts val="768"/>
-              </a:spcBef>
-              <a:buClr>
-                <a:schemeClr val="tx1"/>
-              </a:buClr>
-              <a:buNone/>
-            </a:pPr>
-            <a:r>
-              <a:rPr lang="zh-CN" altLang="zh-CN" dirty="0">
+              <a:t>在该框架</a:t>
+            </a:r>
+            <a:r>
+              <a:rPr lang="zh-CN" altLang="en-US" dirty="0">
                 <a:latin typeface="Hei"/>
                 <a:ea typeface="Hei"/>
                 <a:cs typeface="Hei"/>
               </a:rPr>
-              <a:t> </a:t>
+              <a:t>中的应</a:t>
             </a:r>
             <a:r>
               <a:rPr lang="zh-CN" altLang="en-US" dirty="0" smtClean="0">
@@ -7427,17 +7377,9 @@
                 <a:ea typeface="Hei"/>
                 <a:cs typeface="Hei"/>
               </a:rPr>
-              <a:t>  </a:t>
-            </a:r>
-            <a:r>
-              <a:rPr lang="zh-CN" altLang="en-US" sz="1800" dirty="0" smtClean="0">
-                <a:latin typeface="Hei"/>
-                <a:ea typeface="Hei"/>
-                <a:cs typeface="Hei"/>
-              </a:rPr>
-              <a:t>提供服务优化的依据</a:t>
-            </a:r>
-            <a:endParaRPr lang="en-US" altLang="zh-CN" sz="1800" dirty="0" smtClean="0">
+              <a:t>用</a:t>
+            </a:r>
+            <a:endParaRPr lang="en-US" altLang="zh-CN" dirty="0" smtClean="0">
               <a:latin typeface="Hei"/>
               <a:ea typeface="Hei"/>
               <a:cs typeface="Hei"/>
@@ -7460,34 +7402,25 @@
                 <a:ea typeface="Hei"/>
                 <a:cs typeface="Hei"/>
               </a:rPr>
-              <a:t>应用的依赖关系</a:t>
-            </a:r>
-            <a:endParaRPr lang="en-US" altLang="zh-CN" dirty="0" smtClean="0">
-              <a:latin typeface="Hei"/>
-              <a:ea typeface="Hei"/>
-              <a:cs typeface="Hei"/>
-            </a:endParaRPr>
-          </a:p>
-          <a:p>
-            <a:pPr marL="347472" indent="-347472" algn="l" defTabSz="914400">
-              <a:spcBef>
-                <a:spcPts val="768"/>
-              </a:spcBef>
-              <a:buClr>
-                <a:schemeClr val="tx1"/>
-              </a:buClr>
-              <a:buFont typeface="Arial"/>
-              <a:buChar char="•"/>
-            </a:pPr>
+              <a:t>代码展示：如何开发一个</a:t>
+            </a:r>
+            <a:r>
+              <a:rPr lang="en-US" altLang="zh-CN" dirty="0" smtClean="0">
+                <a:latin typeface="Hei"/>
+                <a:ea typeface="Hei"/>
+                <a:cs typeface="Hei"/>
+              </a:rPr>
+              <a:t>thrift</a:t>
+            </a:r>
             <a:r>
               <a:rPr lang="zh-CN" altLang="en-US" dirty="0" smtClean="0">
                 <a:latin typeface="Hei"/>
                 <a:ea typeface="Hei"/>
                 <a:cs typeface="Hei"/>
               </a:rPr>
-              <a:t>故障报警</a:t>
-            </a:r>
-            <a:endParaRPr lang="en-US" altLang="zh-CN" dirty="0" smtClean="0">
+              <a:t>服务</a:t>
+            </a:r>
+            <a:endParaRPr lang="en-US" dirty="0">
               <a:latin typeface="Hei"/>
               <a:ea typeface="Hei"/>
               <a:cs typeface="Hei"/>
@@ -7503,108 +7436,7 @@
               </a:buClr>
               <a:buNone/>
             </a:pPr>
-            <a:r>
-              <a:rPr lang="zh-CN" altLang="zh-CN" sz="3200" b="0" i="0" dirty="0">
-                <a:solidFill>
-                  <a:schemeClr val="tx1"/>
-                </a:solidFill>
-                <a:latin typeface="Hei"/>
-                <a:ea typeface="Hei"/>
-                <a:cs typeface="Hei"/>
-              </a:rPr>
-              <a:t> </a:t>
-            </a:r>
-            <a:r>
-              <a:rPr lang="zh-CN" altLang="en-US" sz="3200" b="0" i="0" dirty="0" smtClean="0">
-                <a:solidFill>
-                  <a:schemeClr val="tx1"/>
-                </a:solidFill>
-                <a:latin typeface="Hei"/>
-                <a:ea typeface="Hei"/>
-                <a:cs typeface="Hei"/>
-              </a:rPr>
-              <a:t>  </a:t>
-            </a:r>
-            <a:r>
-              <a:rPr lang="zh-CN" altLang="en-US" sz="1800" b="0" i="0" dirty="0" smtClean="0">
-                <a:solidFill>
-                  <a:schemeClr val="tx1"/>
-                </a:solidFill>
-                <a:latin typeface="Hei"/>
-                <a:ea typeface="Hei"/>
-                <a:cs typeface="Hei"/>
-              </a:rPr>
-              <a:t>宕机、并发量、响应时间、失败率都可以触发报警</a:t>
-            </a:r>
-            <a:endParaRPr lang="en-US" altLang="zh-CN" sz="1800" b="0" i="0" dirty="0" smtClean="0">
-              <a:solidFill>
-                <a:schemeClr val="tx1"/>
-              </a:solidFill>
-              <a:latin typeface="Hei"/>
-              <a:ea typeface="Hei"/>
-              <a:cs typeface="Hei"/>
-            </a:endParaRPr>
-          </a:p>
-          <a:p>
-            <a:pPr marL="0" indent="0" algn="l" defTabSz="914400">
-              <a:spcBef>
-                <a:spcPts val="768"/>
-              </a:spcBef>
-              <a:buClr>
-                <a:schemeClr val="tx1"/>
-              </a:buClr>
-              <a:buNone/>
-            </a:pPr>
-            <a:endParaRPr lang="en-US" sz="1800" dirty="0">
-              <a:latin typeface="Hei"/>
-              <a:ea typeface="Hei"/>
-              <a:cs typeface="Hei"/>
-            </a:endParaRPr>
-          </a:p>
-          <a:p>
-            <a:pPr marL="0" indent="0" algn="l" defTabSz="914400">
-              <a:spcBef>
-                <a:spcPts val="768"/>
-              </a:spcBef>
-              <a:buClr>
-                <a:schemeClr val="tx1"/>
-              </a:buClr>
-              <a:buNone/>
-            </a:pPr>
-            <a:r>
-              <a:rPr lang="zh-CN" altLang="en-US" sz="1800" b="0" i="0" dirty="0" smtClean="0">
-                <a:solidFill>
-                  <a:srgbClr val="FF0000"/>
-                </a:solidFill>
-                <a:latin typeface="Hei"/>
-                <a:ea typeface="Hei"/>
-                <a:cs typeface="Hei"/>
-              </a:rPr>
-              <a:t>控制台演示</a:t>
-            </a:r>
-            <a:endParaRPr lang="en-US" sz="1800" b="0" i="0" dirty="0" smtClean="0">
-              <a:solidFill>
-                <a:srgbClr val="FF0000"/>
-              </a:solidFill>
-              <a:latin typeface="Hei"/>
-              <a:ea typeface="Hei"/>
-              <a:cs typeface="Hei"/>
-            </a:endParaRPr>
-          </a:p>
-          <a:p>
-            <a:pPr marL="0" indent="0" algn="l" defTabSz="914400">
-              <a:spcBef>
-                <a:spcPts val="768"/>
-              </a:spcBef>
-              <a:buClr>
-                <a:schemeClr val="tx1"/>
-              </a:buClr>
-              <a:buNone/>
-            </a:pPr>
-            <a:endParaRPr lang="en-US" sz="3200" b="0" i="0" dirty="0">
-              <a:solidFill>
-                <a:schemeClr val="tx1"/>
-              </a:solidFill>
+            <a:endParaRPr lang="en-US" dirty="0">
               <a:latin typeface="Hei"/>
               <a:ea typeface="Hei"/>
               <a:cs typeface="Hei"/>
@@ -7618,7 +7450,7 @@
     </p:custDataLst>
     <p:extLst>
       <p:ext uri="{BB962C8B-B14F-4D97-AF65-F5344CB8AC3E}">
-        <p14:creationId xmlns:p14="http://schemas.microsoft.com/office/powerpoint/2010/main" val="2867915753"/>
+        <p14:creationId xmlns:p14="http://schemas.microsoft.com/office/powerpoint/2010/main" val="3311651423"/>
       </p:ext>
     </p:extLst>
   </p:cSld>
@@ -7657,254 +7489,6 @@
       </p:grpSpPr>
       <p:sp>
         <p:nvSpPr>
-          <p:cNvPr id="2" name="Title 1"/>
-          <p:cNvSpPr>
-            <a:spLocks noGrp="1"/>
-          </p:cNvSpPr>
-          <p:nvPr>
-            <p:ph type="title"/>
-            <p:custDataLst>
-              <p:tags r:id="rId2"/>
-            </p:custDataLst>
-          </p:nvPr>
-        </p:nvSpPr>
-        <p:spPr>
-          <a:xfrm>
-            <a:off x="762000" y="269632"/>
-            <a:ext cx="8077200" cy="797168"/>
-          </a:xfrm>
-        </p:spPr>
-        <p:txBody>
-          <a:bodyPr/>
-          <a:lstStyle/>
-          <a:p>
-            <a:pPr algn="l" defTabSz="914400">
-              <a:spcBef>
-                <a:spcPts val="0"/>
-              </a:spcBef>
-              <a:buNone/>
-            </a:pPr>
-            <a:r>
-              <a:rPr lang="en-US" altLang="zh-CN" dirty="0" smtClean="0">
-                <a:latin typeface="Hei"/>
-                <a:ea typeface="Hei"/>
-                <a:cs typeface="Hei"/>
-              </a:rPr>
-              <a:t>Spring</a:t>
-            </a:r>
-            <a:r>
-              <a:rPr lang="zh-CN" altLang="en-US" dirty="0" smtClean="0">
-                <a:latin typeface="Hei"/>
-                <a:ea typeface="Hei"/>
-                <a:cs typeface="Hei"/>
-              </a:rPr>
-              <a:t>的应用</a:t>
-            </a:r>
-            <a:endParaRPr lang="en-US" sz="4400" b="0" i="0" dirty="0">
-              <a:solidFill>
-                <a:schemeClr val="tx1"/>
-              </a:solidFill>
-              <a:latin typeface="Hei"/>
-              <a:ea typeface="Hei"/>
-              <a:cs typeface="Hei"/>
-            </a:endParaRPr>
-          </a:p>
-        </p:txBody>
-      </p:sp>
-      <p:sp>
-        <p:nvSpPr>
-          <p:cNvPr id="5" name="Content Placeholder 4"/>
-          <p:cNvSpPr>
-            <a:spLocks noGrp="1"/>
-          </p:cNvSpPr>
-          <p:nvPr>
-            <p:ph idx="1"/>
-            <p:custDataLst>
-              <p:tags r:id="rId3"/>
-            </p:custDataLst>
-          </p:nvPr>
-        </p:nvSpPr>
-        <p:spPr>
-          <a:xfrm>
-            <a:off x="838200" y="1219200"/>
-            <a:ext cx="8077200" cy="4297363"/>
-          </a:xfrm>
-        </p:spPr>
-        <p:txBody>
-          <a:bodyPr>
-            <a:normAutofit/>
-          </a:bodyPr>
-          <a:lstStyle/>
-          <a:p>
-            <a:pPr marL="347472" indent="-347472" algn="l" defTabSz="914400">
-              <a:spcBef>
-                <a:spcPts val="768"/>
-              </a:spcBef>
-              <a:buClr>
-                <a:schemeClr val="tx1"/>
-              </a:buClr>
-              <a:buFont typeface="Arial"/>
-              <a:buChar char="•"/>
-            </a:pPr>
-            <a:r>
-              <a:rPr lang="zh-CN" altLang="en-US" dirty="0" smtClean="0">
-                <a:latin typeface="Hei"/>
-                <a:ea typeface="Hei"/>
-                <a:cs typeface="Hei"/>
-              </a:rPr>
-              <a:t>业界标准，必须掌握，优点自查</a:t>
-            </a:r>
-            <a:endParaRPr lang="en-US" altLang="zh-CN" sz="1800" dirty="0">
-              <a:latin typeface="Hei"/>
-              <a:ea typeface="Hei"/>
-              <a:cs typeface="Hei"/>
-            </a:endParaRPr>
-          </a:p>
-          <a:p>
-            <a:pPr marL="347472" indent="-347472" algn="l" defTabSz="914400">
-              <a:spcBef>
-                <a:spcPts val="768"/>
-              </a:spcBef>
-              <a:buClr>
-                <a:schemeClr val="tx1"/>
-              </a:buClr>
-              <a:buFont typeface="Arial"/>
-              <a:buChar char="•"/>
-            </a:pPr>
-            <a:r>
-              <a:rPr lang="zh-CN" altLang="en-US" dirty="0" smtClean="0">
-                <a:latin typeface="Hei"/>
-                <a:ea typeface="Hei"/>
-                <a:cs typeface="Hei"/>
-              </a:rPr>
-              <a:t>在该框架</a:t>
-            </a:r>
-            <a:r>
-              <a:rPr lang="zh-CN" altLang="en-US" dirty="0">
-                <a:latin typeface="Hei"/>
-                <a:ea typeface="Hei"/>
-                <a:cs typeface="Hei"/>
-              </a:rPr>
-              <a:t>中的应</a:t>
-            </a:r>
-            <a:r>
-              <a:rPr lang="zh-CN" altLang="en-US" dirty="0" smtClean="0">
-                <a:latin typeface="Hei"/>
-                <a:ea typeface="Hei"/>
-                <a:cs typeface="Hei"/>
-              </a:rPr>
-              <a:t>用</a:t>
-            </a:r>
-            <a:endParaRPr lang="en-US" altLang="zh-CN" dirty="0" smtClean="0">
-              <a:latin typeface="Hei"/>
-              <a:ea typeface="Hei"/>
-              <a:cs typeface="Hei"/>
-            </a:endParaRPr>
-          </a:p>
-          <a:p>
-            <a:pPr marL="347472" indent="-347472" algn="l" defTabSz="914400">
-              <a:spcBef>
-                <a:spcPts val="768"/>
-              </a:spcBef>
-              <a:buClr>
-                <a:schemeClr val="tx1"/>
-              </a:buClr>
-              <a:buFont typeface="Arial"/>
-              <a:buChar char="•"/>
-            </a:pPr>
-            <a:r>
-              <a:rPr lang="zh-CN" altLang="en-US" dirty="0" smtClean="0">
-                <a:latin typeface="Hei"/>
-                <a:ea typeface="Hei"/>
-                <a:cs typeface="Hei"/>
-              </a:rPr>
-              <a:t>代码展示：如何开发一个</a:t>
-            </a:r>
-            <a:r>
-              <a:rPr lang="en-US" altLang="zh-CN" dirty="0" smtClean="0">
-                <a:latin typeface="Hei"/>
-                <a:ea typeface="Hei"/>
-                <a:cs typeface="Hei"/>
-              </a:rPr>
-              <a:t>thrift</a:t>
-            </a:r>
-            <a:r>
-              <a:rPr lang="zh-CN" altLang="en-US" dirty="0" smtClean="0">
-                <a:latin typeface="Hei"/>
-                <a:ea typeface="Hei"/>
-                <a:cs typeface="Hei"/>
-              </a:rPr>
-              <a:t>服务</a:t>
-            </a:r>
-            <a:endParaRPr lang="en-US" dirty="0">
-              <a:latin typeface="Hei"/>
-              <a:ea typeface="Hei"/>
-              <a:cs typeface="Hei"/>
-            </a:endParaRPr>
-          </a:p>
-          <a:p>
-            <a:pPr marL="0" indent="0" algn="l" defTabSz="914400">
-              <a:spcBef>
-                <a:spcPts val="768"/>
-              </a:spcBef>
-              <a:buClr>
-                <a:schemeClr val="tx1"/>
-              </a:buClr>
-              <a:buNone/>
-            </a:pPr>
-            <a:endParaRPr lang="en-US" dirty="0">
-              <a:latin typeface="Hei"/>
-              <a:ea typeface="Hei"/>
-              <a:cs typeface="Hei"/>
-            </a:endParaRPr>
-          </a:p>
-        </p:txBody>
-      </p:sp>
-    </p:spTree>
-    <p:custDataLst>
-      <p:tags r:id="rId1"/>
-    </p:custDataLst>
-    <p:extLst>
-      <p:ext uri="{BB962C8B-B14F-4D97-AF65-F5344CB8AC3E}">
-        <p14:creationId xmlns:p14="http://schemas.microsoft.com/office/powerpoint/2010/main" val="3311651423"/>
-      </p:ext>
-    </p:extLst>
-  </p:cSld>
-  <p:clrMapOvr>
-    <a:masterClrMapping/>
-  </p:clrMapOvr>
-  <p:transition xmlns:p14="http://schemas.microsoft.com/office/powerpoint/2010/main" spd="slow">
-    <p:wipe dir="d"/>
-  </p:transition>
-  <p:timing>
-    <p:tnLst>
-      <p:par>
-        <p:cTn xmlns:p14="http://schemas.microsoft.com/office/powerpoint/2010/main" id="1" dur="indefinite" restart="never" nodeType="tmRoot"/>
-      </p:par>
-    </p:tnLst>
-  </p:timing>
-</p:sld>
-</file>
-
-<file path=ppt/slides/slide8.xml><?xml version="1.0" encoding="utf-8"?>
-<p:sld xmlns:a="http://schemas.openxmlformats.org/drawingml/2006/main" xmlns:r="http://schemas.openxmlformats.org/officeDocument/2006/relationships" xmlns:p="http://schemas.openxmlformats.org/presentationml/2006/main">
-  <p:cSld>
-    <p:spTree>
-      <p:nvGrpSpPr>
-        <p:cNvPr id="1" name=""/>
-        <p:cNvGrpSpPr/>
-        <p:nvPr/>
-      </p:nvGrpSpPr>
-      <p:grpSpPr>
-        <a:xfrm>
-          <a:off x="0" y="0"/>
-          <a:ext cx="0" cy="0"/>
-          <a:chOff x="0" y="0"/>
-          <a:chExt cx="0" cy="0"/>
-        </a:xfrm>
-      </p:grpSpPr>
-      <p:sp>
-        <p:nvSpPr>
           <p:cNvPr id="620546" name="Rectangle 2"/>
           <p:cNvSpPr>
             <a:spLocks noGrp="1" noChangeArrowheads="1"/>
@@ -7991,7 +7575,7 @@
 </p:sld>
 </file>
 
-<file path=ppt/slides/slide9.xml><?xml version="1.0" encoding="utf-8"?>
+<file path=ppt/slides/slide8.xml><?xml version="1.0" encoding="utf-8"?>
 <p:sld xmlns:a="http://schemas.openxmlformats.org/drawingml/2006/main" xmlns:r="http://schemas.openxmlformats.org/officeDocument/2006/relationships" xmlns:p="http://schemas.openxmlformats.org/presentationml/2006/main">
   <p:cSld>
     <p:spTree>
@@ -8082,13 +7666,13 @@
 
 <file path=ppt/tags/tag10.xml><?xml version="1.0" encoding="utf-8"?>
 <p:tagLst xmlns:a="http://schemas.openxmlformats.org/drawingml/2006/main" xmlns:r="http://schemas.openxmlformats.org/officeDocument/2006/relationships" xmlns:p="http://schemas.openxmlformats.org/presentationml/2006/main">
-  <p:tag name="DVSECTIONID" val="QUq8QELArFIgadhH063fpq"/>
+  <p:tag name="DVSHAPEID" val="InkrlxYPS4jAzciXk8ToAM"/>
 </p:tagLst>
 </file>
 
 <file path=ppt/tags/tag11.xml><?xml version="1.0" encoding="utf-8"?>
 <p:tagLst xmlns:a="http://schemas.openxmlformats.org/drawingml/2006/main" xmlns:r="http://schemas.openxmlformats.org/officeDocument/2006/relationships" xmlns:p="http://schemas.openxmlformats.org/presentationml/2006/main">
-  <p:tag name="DVSHAPEID" val="InkrlxYPS4jAzciXk8ToAM"/>
+  <p:tag name="DVSHAPEID" val="retnMj4SFfqbVIhVK0Rf83"/>
 </p:tagLst>
 </file>
 
@@ -8130,13 +7714,13 @@
 
 <file path=ppt/tags/tag18.xml><?xml version="1.0" encoding="utf-8"?>
 <p:tagLst xmlns:a="http://schemas.openxmlformats.org/drawingml/2006/main" xmlns:r="http://schemas.openxmlformats.org/officeDocument/2006/relationships" xmlns:p="http://schemas.openxmlformats.org/presentationml/2006/main">
-  <p:tag name="DVSECTIONID" val="QUq8QELArFIgadhH063fpq"/>
+  <p:tag name="DVSECTIONID" val="ezdaKHeWyBnZyZ2cDqRSoa"/>
 </p:tagLst>
 </file>
 
 <file path=ppt/tags/tag19.xml><?xml version="1.0" encoding="utf-8"?>
 <p:tagLst xmlns:a="http://schemas.openxmlformats.org/drawingml/2006/main" xmlns:r="http://schemas.openxmlformats.org/officeDocument/2006/relationships" xmlns:p="http://schemas.openxmlformats.org/presentationml/2006/main">
-  <p:tag name="DVSHAPEID" val="InkrlxYPS4jAzciXk8ToAM"/>
+  <p:tag name="DVSHAPEID" val="LRMR96J2MVd0CGe2e5htjk"/>
 </p:tagLst>
 </file>
 
@@ -8148,29 +7732,11 @@
 
 <file path=ppt/tags/tag20.xml><?xml version="1.0" encoding="utf-8"?>
 <p:tagLst xmlns:a="http://schemas.openxmlformats.org/drawingml/2006/main" xmlns:r="http://schemas.openxmlformats.org/officeDocument/2006/relationships" xmlns:p="http://schemas.openxmlformats.org/presentationml/2006/main">
-  <p:tag name="DVSHAPEID" val="retnMj4SFfqbVIhVK0Rf83"/>
+  <p:tag name="DVSECTIONID" val="c48BxRTjzwKhAarpC8SPOi"/>
 </p:tagLst>
 </file>
 
 <file path=ppt/tags/tag21.xml><?xml version="1.0" encoding="utf-8"?>
-<p:tagLst xmlns:a="http://schemas.openxmlformats.org/drawingml/2006/main" xmlns:r="http://schemas.openxmlformats.org/officeDocument/2006/relationships" xmlns:p="http://schemas.openxmlformats.org/presentationml/2006/main">
-  <p:tag name="DVSECTIONID" val="ezdaKHeWyBnZyZ2cDqRSoa"/>
-</p:tagLst>
-</file>
-
-<file path=ppt/tags/tag22.xml><?xml version="1.0" encoding="utf-8"?>
-<p:tagLst xmlns:a="http://schemas.openxmlformats.org/drawingml/2006/main" xmlns:r="http://schemas.openxmlformats.org/officeDocument/2006/relationships" xmlns:p="http://schemas.openxmlformats.org/presentationml/2006/main">
-  <p:tag name="DVSHAPEID" val="LRMR96J2MVd0CGe2e5htjk"/>
-</p:tagLst>
-</file>
-
-<file path=ppt/tags/tag23.xml><?xml version="1.0" encoding="utf-8"?>
-<p:tagLst xmlns:a="http://schemas.openxmlformats.org/drawingml/2006/main" xmlns:r="http://schemas.openxmlformats.org/officeDocument/2006/relationships" xmlns:p="http://schemas.openxmlformats.org/presentationml/2006/main">
-  <p:tag name="DVSECTIONID" val="c48BxRTjzwKhAarpC8SPOi"/>
-</p:tagLst>
-</file>
-
-<file path=ppt/tags/tag24.xml><?xml version="1.0" encoding="utf-8"?>
 <p:tagLst xmlns:a="http://schemas.openxmlformats.org/drawingml/2006/main" xmlns:r="http://schemas.openxmlformats.org/officeDocument/2006/relationships" xmlns:p="http://schemas.openxmlformats.org/presentationml/2006/main">
   <p:tag name="DVSHAPEID" val="GFUQynbDZ7CnnKAa7cx9MM"/>
 </p:tagLst>
@@ -8214,7 +7780,7 @@
 
 <file path=ppt/tags/tag9.xml><?xml version="1.0" encoding="utf-8"?>
 <p:tagLst xmlns:a="http://schemas.openxmlformats.org/drawingml/2006/main" xmlns:r="http://schemas.openxmlformats.org/officeDocument/2006/relationships" xmlns:p="http://schemas.openxmlformats.org/presentationml/2006/main">
-  <p:tag name="DVSHAPEID" val="retnMj4SFfqbVIhVK0Rf83"/>
+  <p:tag name="DVSECTIONID" val="QUq8QELArFIgadhH063fpq"/>
 </p:tagLst>
 </file>
 
